--- a/Presentation on CSE561 Project.pptx
+++ b/Presentation on CSE561 Project.pptx
@@ -11,6 +11,7 @@
     <p:sldId id="259" r:id="rId5"/>
     <p:sldId id="260" r:id="rId6"/>
     <p:sldId id="261" r:id="rId7"/>
+    <p:sldId id="262" r:id="rId8"/>
   </p:sldIdLst>
   <p:sldSz cx="12192000" cy="6858000"/>
   <p:notesSz cx="6858000" cy="9144000"/>
@@ -109,6 +110,11 @@
       </a:defRPr>
     </a:lvl9pPr>
   </p:defaultTextStyle>
+  <p:extLst>
+    <p:ext uri="{EFAFB233-063F-42B5-8137-9DF3F51BA10A}">
+      <p15:sldGuideLst xmlns:p15="http://schemas.microsoft.com/office/powerpoint/2012/main"/>
+    </p:ext>
+  </p:extLst>
 </p:presentation>
 </file>
 
@@ -117,7 +123,7 @@
   <pc:docChgLst>
     <pc:chgData name="Swati Mohapatra" userId="abb5c7f9d847a7db" providerId="LiveId" clId="{4CEADEAF-F9BC-46DF-9A8B-EF1E40F01D80}"/>
     <pc:docChg chg="undo custSel addSld delSld modSld">
-      <pc:chgData name="Swati Mohapatra" userId="abb5c7f9d847a7db" providerId="LiveId" clId="{4CEADEAF-F9BC-46DF-9A8B-EF1E40F01D80}" dt="2021-11-27T09:11:38.720" v="240" actId="14100"/>
+      <pc:chgData name="Swati Mohapatra" userId="abb5c7f9d847a7db" providerId="LiveId" clId="{4CEADEAF-F9BC-46DF-9A8B-EF1E40F01D80}" dt="2021-11-27T21:33:00.028" v="280" actId="20577"/>
       <pc:docMkLst>
         <pc:docMk/>
       </pc:docMkLst>
@@ -314,6 +320,29 @@
           </ac:picMkLst>
         </pc:picChg>
       </pc:sldChg>
+      <pc:sldChg chg="modSp new mod">
+        <pc:chgData name="Swati Mohapatra" userId="abb5c7f9d847a7db" providerId="LiveId" clId="{4CEADEAF-F9BC-46DF-9A8B-EF1E40F01D80}" dt="2021-11-27T21:33:00.028" v="280" actId="20577"/>
+        <pc:sldMkLst>
+          <pc:docMk/>
+          <pc:sldMk cId="1599619551" sldId="262"/>
+        </pc:sldMkLst>
+        <pc:spChg chg="mod">
+          <ac:chgData name="Swati Mohapatra" userId="abb5c7f9d847a7db" providerId="LiveId" clId="{4CEADEAF-F9BC-46DF-9A8B-EF1E40F01D80}" dt="2021-11-27T21:30:22.203" v="252" actId="115"/>
+          <ac:spMkLst>
+            <pc:docMk/>
+            <pc:sldMk cId="1599619551" sldId="262"/>
+            <ac:spMk id="2" creationId="{6219A6F0-4D0A-4F43-9FF1-0FB52D9AD4CE}"/>
+          </ac:spMkLst>
+        </pc:spChg>
+        <pc:spChg chg="mod">
+          <ac:chgData name="Swati Mohapatra" userId="abb5c7f9d847a7db" providerId="LiveId" clId="{4CEADEAF-F9BC-46DF-9A8B-EF1E40F01D80}" dt="2021-11-27T21:33:00.028" v="280" actId="20577"/>
+          <ac:spMkLst>
+            <pc:docMk/>
+            <pc:sldMk cId="1599619551" sldId="262"/>
+            <ac:spMk id="3" creationId="{66B8CA5A-98F9-4D7F-9BDE-2882F852F353}"/>
+          </ac:spMkLst>
+        </pc:spChg>
+      </pc:sldChg>
     </pc:docChg>
   </pc:docChgLst>
 </pc:chgInfo>
@@ -507,7 +536,7 @@
           <a:p>
             <a:fld id="{86971CB0-D784-4C46-8D05-8FA0C979EC0E}" type="datetimeFigureOut">
               <a:rPr lang="en-IN" smtClean="0"/>
-              <a:t>26-11-2021</a:t>
+              <a:t>27-11-2021</a:t>
             </a:fld>
             <a:endParaRPr lang="en-IN"/>
           </a:p>
@@ -845,7 +874,7 @@
           <a:p>
             <a:fld id="{86971CB0-D784-4C46-8D05-8FA0C979EC0E}" type="datetimeFigureOut">
               <a:rPr lang="en-IN" smtClean="0"/>
-              <a:t>26-11-2021</a:t>
+              <a:t>27-11-2021</a:t>
             </a:fld>
             <a:endParaRPr lang="en-IN"/>
           </a:p>
@@ -1246,7 +1275,7 @@
           <a:p>
             <a:fld id="{86971CB0-D784-4C46-8D05-8FA0C979EC0E}" type="datetimeFigureOut">
               <a:rPr lang="en-IN" smtClean="0"/>
-              <a:t>26-11-2021</a:t>
+              <a:t>27-11-2021</a:t>
             </a:fld>
             <a:endParaRPr lang="en-IN"/>
           </a:p>
@@ -1582,7 +1611,7 @@
           <a:p>
             <a:fld id="{86971CB0-D784-4C46-8D05-8FA0C979EC0E}" type="datetimeFigureOut">
               <a:rPr lang="en-IN" smtClean="0"/>
-              <a:t>26-11-2021</a:t>
+              <a:t>27-11-2021</a:t>
             </a:fld>
             <a:endParaRPr lang="en-IN"/>
           </a:p>
@@ -1902,7 +1931,7 @@
           <a:p>
             <a:fld id="{86971CB0-D784-4C46-8D05-8FA0C979EC0E}" type="datetimeFigureOut">
               <a:rPr lang="en-IN" smtClean="0"/>
-              <a:t>26-11-2021</a:t>
+              <a:t>27-11-2021</a:t>
             </a:fld>
             <a:endParaRPr lang="en-IN"/>
           </a:p>
@@ -2298,7 +2327,7 @@
           <a:p>
             <a:fld id="{86971CB0-D784-4C46-8D05-8FA0C979EC0E}" type="datetimeFigureOut">
               <a:rPr lang="en-IN" smtClean="0"/>
-              <a:t>26-11-2021</a:t>
+              <a:t>27-11-2021</a:t>
             </a:fld>
             <a:endParaRPr lang="en-IN"/>
           </a:p>
@@ -2555,7 +2584,7 @@
           <a:p>
             <a:fld id="{86971CB0-D784-4C46-8D05-8FA0C979EC0E}" type="datetimeFigureOut">
               <a:rPr lang="en-IN" smtClean="0"/>
-              <a:t>26-11-2021</a:t>
+              <a:t>27-11-2021</a:t>
             </a:fld>
             <a:endParaRPr lang="en-IN"/>
           </a:p>
@@ -2817,7 +2846,7 @@
           <a:p>
             <a:fld id="{86971CB0-D784-4C46-8D05-8FA0C979EC0E}" type="datetimeFigureOut">
               <a:rPr lang="en-IN" smtClean="0"/>
-              <a:t>26-11-2021</a:t>
+              <a:t>27-11-2021</a:t>
             </a:fld>
             <a:endParaRPr lang="en-IN"/>
           </a:p>
@@ -3079,7 +3108,7 @@
           <a:p>
             <a:fld id="{86971CB0-D784-4C46-8D05-8FA0C979EC0E}" type="datetimeFigureOut">
               <a:rPr lang="en-IN" smtClean="0"/>
-              <a:t>26-11-2021</a:t>
+              <a:t>27-11-2021</a:t>
             </a:fld>
             <a:endParaRPr lang="en-IN"/>
           </a:p>
@@ -3408,7 +3437,7 @@
           <a:p>
             <a:fld id="{86971CB0-D784-4C46-8D05-8FA0C979EC0E}" type="datetimeFigureOut">
               <a:rPr lang="en-IN" smtClean="0"/>
-              <a:t>26-11-2021</a:t>
+              <a:t>27-11-2021</a:t>
             </a:fld>
             <a:endParaRPr lang="en-IN"/>
           </a:p>
@@ -3731,7 +3760,7 @@
           <a:p>
             <a:fld id="{86971CB0-D784-4C46-8D05-8FA0C979EC0E}" type="datetimeFigureOut">
               <a:rPr lang="en-IN" smtClean="0"/>
-              <a:t>26-11-2021</a:t>
+              <a:t>27-11-2021</a:t>
             </a:fld>
             <a:endParaRPr lang="en-IN"/>
           </a:p>
@@ -4188,7 +4217,7 @@
           <a:p>
             <a:fld id="{86971CB0-D784-4C46-8D05-8FA0C979EC0E}" type="datetimeFigureOut">
               <a:rPr lang="en-IN" smtClean="0"/>
-              <a:t>26-11-2021</a:t>
+              <a:t>27-11-2021</a:t>
             </a:fld>
             <a:endParaRPr lang="en-IN"/>
           </a:p>
@@ -4393,7 +4422,7 @@
           <a:p>
             <a:fld id="{86971CB0-D784-4C46-8D05-8FA0C979EC0E}" type="datetimeFigureOut">
               <a:rPr lang="en-IN" smtClean="0"/>
-              <a:t>26-11-2021</a:t>
+              <a:t>27-11-2021</a:t>
             </a:fld>
             <a:endParaRPr lang="en-IN"/>
           </a:p>
@@ -4570,7 +4599,7 @@
           <a:p>
             <a:fld id="{86971CB0-D784-4C46-8D05-8FA0C979EC0E}" type="datetimeFigureOut">
               <a:rPr lang="en-IN" smtClean="0"/>
-              <a:t>26-11-2021</a:t>
+              <a:t>27-11-2021</a:t>
             </a:fld>
             <a:endParaRPr lang="en-IN"/>
           </a:p>
@@ -4903,7 +4932,7 @@
           <a:p>
             <a:fld id="{86971CB0-D784-4C46-8D05-8FA0C979EC0E}" type="datetimeFigureOut">
               <a:rPr lang="en-IN" smtClean="0"/>
-              <a:t>26-11-2021</a:t>
+              <a:t>27-11-2021</a:t>
             </a:fld>
             <a:endParaRPr lang="en-IN"/>
           </a:p>
@@ -5248,7 +5277,7 @@
           <a:p>
             <a:fld id="{86971CB0-D784-4C46-8D05-8FA0C979EC0E}" type="datetimeFigureOut">
               <a:rPr lang="en-IN" smtClean="0"/>
-              <a:t>26-11-2021</a:t>
+              <a:t>27-11-2021</a:t>
             </a:fld>
             <a:endParaRPr lang="en-IN"/>
           </a:p>
@@ -7365,7 +7394,7 @@
           <a:p>
             <a:fld id="{86971CB0-D784-4C46-8D05-8FA0C979EC0E}" type="datetimeFigureOut">
               <a:rPr lang="en-IN" smtClean="0"/>
-              <a:t>26-11-2021</a:t>
+              <a:t>27-11-2021</a:t>
             </a:fld>
             <a:endParaRPr lang="en-IN"/>
           </a:p>
@@ -8934,6 +8963,237 @@
 </p:sld>
 </file>
 
+<file path=ppt/slides/slide7.xml><?xml version="1.0" encoding="utf-8"?>
+<p:sld xmlns:a="http://schemas.openxmlformats.org/drawingml/2006/main" xmlns:r="http://schemas.openxmlformats.org/officeDocument/2006/relationships" xmlns:p="http://schemas.openxmlformats.org/presentationml/2006/main">
+  <p:cSld>
+    <p:spTree>
+      <p:nvGrpSpPr>
+        <p:cNvPr id="1" name=""/>
+        <p:cNvGrpSpPr/>
+        <p:nvPr/>
+      </p:nvGrpSpPr>
+      <p:grpSpPr>
+        <a:xfrm>
+          <a:off x="0" y="0"/>
+          <a:ext cx="0" cy="0"/>
+          <a:chOff x="0" y="0"/>
+          <a:chExt cx="0" cy="0"/>
+        </a:xfrm>
+      </p:grpSpPr>
+      <p:sp>
+        <p:nvSpPr>
+          <p:cNvPr id="2" name="Title 1">
+            <a:extLst>
+              <a:ext uri="{FF2B5EF4-FFF2-40B4-BE49-F238E27FC236}">
+                <a16:creationId xmlns:a16="http://schemas.microsoft.com/office/drawing/2014/main" id="{6219A6F0-4D0A-4F43-9FF1-0FB52D9AD4CE}"/>
+              </a:ext>
+            </a:extLst>
+          </p:cNvPr>
+          <p:cNvSpPr>
+            <a:spLocks noGrp="1"/>
+          </p:cNvSpPr>
+          <p:nvPr>
+            <p:ph type="title"/>
+          </p:nvPr>
+        </p:nvSpPr>
+        <p:spPr/>
+        <p:txBody>
+          <a:bodyPr/>
+          <a:lstStyle/>
+          <a:p>
+            <a:r>
+              <a:rPr lang="en-IN" u="sng" dirty="0"/>
+              <a:t>Pseudocode</a:t>
+            </a:r>
+          </a:p>
+        </p:txBody>
+      </p:sp>
+      <p:sp>
+        <p:nvSpPr>
+          <p:cNvPr id="3" name="Content Placeholder 2">
+            <a:extLst>
+              <a:ext uri="{FF2B5EF4-FFF2-40B4-BE49-F238E27FC236}">
+                <a16:creationId xmlns:a16="http://schemas.microsoft.com/office/drawing/2014/main" id="{66B8CA5A-98F9-4D7F-9BDE-2882F852F353}"/>
+              </a:ext>
+            </a:extLst>
+          </p:cNvPr>
+          <p:cNvSpPr>
+            <a:spLocks noGrp="1"/>
+          </p:cNvSpPr>
+          <p:nvPr>
+            <p:ph idx="1"/>
+          </p:nvPr>
+        </p:nvSpPr>
+        <p:spPr/>
+        <p:txBody>
+          <a:bodyPr/>
+          <a:lstStyle/>
+          <a:p>
+            <a:pPr marL="0" indent="0">
+              <a:buNone/>
+            </a:pPr>
+            <a:r>
+              <a:rPr lang="en-US" sz="1600" b="1" dirty="0">
+                <a:latin typeface="Times New Roman" panose="02020603050405020304" pitchFamily="18" charset="0"/>
+                <a:cs typeface="Times New Roman" panose="02020603050405020304" pitchFamily="18" charset="0"/>
+              </a:rPr>
+              <a:t>IF</a:t>
+            </a:r>
+            <a:r>
+              <a:rPr lang="en-US" dirty="0"/>
+              <a:t> </a:t>
+            </a:r>
+            <a:r>
+              <a:rPr lang="en-US" dirty="0">
+                <a:latin typeface="Times New Roman" panose="02020603050405020304" pitchFamily="18" charset="0"/>
+                <a:cs typeface="Times New Roman" panose="02020603050405020304" pitchFamily="18" charset="0"/>
+              </a:rPr>
+              <a:t>dirt is present </a:t>
+            </a:r>
+          </a:p>
+          <a:p>
+            <a:pPr marL="0" indent="0">
+              <a:buNone/>
+            </a:pPr>
+            <a:r>
+              <a:rPr lang="en-US" dirty="0"/>
+              <a:t>	</a:t>
+            </a:r>
+            <a:r>
+              <a:rPr lang="en-US" sz="1600" dirty="0">
+                <a:latin typeface="Times New Roman" panose="02020603050405020304" pitchFamily="18" charset="0"/>
+                <a:cs typeface="Times New Roman" panose="02020603050405020304" pitchFamily="18" charset="0"/>
+              </a:rPr>
+              <a:t>then</a:t>
+            </a:r>
+          </a:p>
+          <a:p>
+            <a:pPr marL="0" indent="0">
+              <a:buNone/>
+            </a:pPr>
+            <a:r>
+              <a:rPr lang="en-US" dirty="0"/>
+              <a:t>		</a:t>
+            </a:r>
+            <a:r>
+              <a:rPr lang="en-US" dirty="0">
+                <a:latin typeface="Times New Roman" panose="02020603050405020304" pitchFamily="18" charset="0"/>
+                <a:cs typeface="Times New Roman" panose="02020603050405020304" pitchFamily="18" charset="0"/>
+              </a:rPr>
+              <a:t>clean the place</a:t>
+            </a:r>
+          </a:p>
+          <a:p>
+            <a:pPr marL="0" indent="0">
+              <a:buNone/>
+            </a:pPr>
+            <a:r>
+              <a:rPr lang="en-US" b="1" dirty="0">
+                <a:latin typeface="Times New Roman" panose="02020603050405020304" pitchFamily="18" charset="0"/>
+                <a:cs typeface="Times New Roman" panose="02020603050405020304" pitchFamily="18" charset="0"/>
+              </a:rPr>
+              <a:t>ELSE IF </a:t>
+            </a:r>
+            <a:r>
+              <a:rPr lang="en-US" dirty="0">
+                <a:latin typeface="Times New Roman" panose="02020603050405020304" pitchFamily="18" charset="0"/>
+                <a:cs typeface="Times New Roman" panose="02020603050405020304" pitchFamily="18" charset="0"/>
+              </a:rPr>
+              <a:t>obstacle is present </a:t>
+            </a:r>
+          </a:p>
+          <a:p>
+            <a:pPr marL="0" indent="0">
+              <a:buNone/>
+            </a:pPr>
+            <a:r>
+              <a:rPr lang="en-US" dirty="0"/>
+              <a:t>	</a:t>
+            </a:r>
+            <a:r>
+              <a:rPr lang="en-US" dirty="0">
+                <a:latin typeface="Times New Roman" panose="02020603050405020304" pitchFamily="18" charset="0"/>
+                <a:cs typeface="Times New Roman" panose="02020603050405020304" pitchFamily="18" charset="0"/>
+              </a:rPr>
+              <a:t>then</a:t>
+            </a:r>
+          </a:p>
+          <a:p>
+            <a:pPr marL="0" indent="0">
+              <a:buNone/>
+            </a:pPr>
+            <a:r>
+              <a:rPr lang="en-US" dirty="0"/>
+              <a:t>		</a:t>
+            </a:r>
+            <a:r>
+              <a:rPr lang="en-US" dirty="0">
+                <a:latin typeface="Times New Roman" panose="02020603050405020304" pitchFamily="18" charset="0"/>
+                <a:cs typeface="Times New Roman" panose="02020603050405020304" pitchFamily="18" charset="0"/>
+              </a:rPr>
+              <a:t>turn in a direction according to the live </a:t>
+            </a:r>
+            <a:r>
+              <a:rPr lang="en-US">
+                <a:latin typeface="Times New Roman" panose="02020603050405020304" pitchFamily="18" charset="0"/>
+                <a:cs typeface="Times New Roman" panose="02020603050405020304" pitchFamily="18" charset="0"/>
+              </a:rPr>
+              <a:t>sensing data</a:t>
+            </a:r>
+            <a:endParaRPr lang="en-US" dirty="0">
+              <a:latin typeface="Times New Roman" panose="02020603050405020304" pitchFamily="18" charset="0"/>
+              <a:cs typeface="Times New Roman" panose="02020603050405020304" pitchFamily="18" charset="0"/>
+            </a:endParaRPr>
+          </a:p>
+          <a:p>
+            <a:pPr marL="0" indent="0">
+              <a:buNone/>
+            </a:pPr>
+            <a:r>
+              <a:rPr lang="en-US" b="1" dirty="0">
+                <a:latin typeface="Times New Roman" panose="02020603050405020304" pitchFamily="18" charset="0"/>
+                <a:cs typeface="Times New Roman" panose="02020603050405020304" pitchFamily="18" charset="0"/>
+              </a:rPr>
+              <a:t>ELSE </a:t>
+            </a:r>
+          </a:p>
+          <a:p>
+            <a:pPr marL="0" indent="0">
+              <a:buNone/>
+            </a:pPr>
+            <a:r>
+              <a:rPr lang="en-US" dirty="0"/>
+              <a:t>		</a:t>
+            </a:r>
+            <a:r>
+              <a:rPr lang="en-US" dirty="0">
+                <a:latin typeface="Times New Roman" panose="02020603050405020304" pitchFamily="18" charset="0"/>
+                <a:cs typeface="Times New Roman" panose="02020603050405020304" pitchFamily="18" charset="0"/>
+              </a:rPr>
+              <a:t>move forward</a:t>
+            </a:r>
+          </a:p>
+          <a:p>
+            <a:pPr marL="0" indent="0">
+              <a:buNone/>
+            </a:pPr>
+            <a:endParaRPr lang="en-IN" dirty="0"/>
+          </a:p>
+        </p:txBody>
+      </p:sp>
+    </p:spTree>
+    <p:extLst>
+      <p:ext uri="{BB962C8B-B14F-4D97-AF65-F5344CB8AC3E}">
+        <p14:creationId xmlns:p14="http://schemas.microsoft.com/office/powerpoint/2010/main" val="1599619551"/>
+      </p:ext>
+    </p:extLst>
+  </p:cSld>
+  <p:clrMapOvr>
+    <a:masterClrMapping/>
+  </p:clrMapOvr>
+</p:sld>
+</file>
+
 <file path=ppt/theme/theme1.xml><?xml version="1.0" encoding="utf-8"?>
 <a:theme xmlns:a="http://schemas.openxmlformats.org/drawingml/2006/main" name="Wisp">
   <a:themeElements>

--- a/Presentation on CSE561 Project.pptx
+++ b/Presentation on CSE561 Project.pptx
@@ -123,7 +123,7 @@
   <pc:docChgLst>
     <pc:chgData name="Swati Mohapatra" userId="abb5c7f9d847a7db" providerId="LiveId" clId="{4CEADEAF-F9BC-46DF-9A8B-EF1E40F01D80}"/>
     <pc:docChg chg="undo custSel addSld delSld modSld">
-      <pc:chgData name="Swati Mohapatra" userId="abb5c7f9d847a7db" providerId="LiveId" clId="{4CEADEAF-F9BC-46DF-9A8B-EF1E40F01D80}" dt="2021-11-27T21:33:00.028" v="280" actId="20577"/>
+      <pc:chgData name="Swati Mohapatra" userId="abb5c7f9d847a7db" providerId="LiveId" clId="{4CEADEAF-F9BC-46DF-9A8B-EF1E40F01D80}" dt="2021-11-29T02:50:00.475" v="452" actId="1076"/>
       <pc:docMkLst>
         <pc:docMk/>
       </pc:docMkLst>
@@ -274,7 +274,7 @@
         </pc:spChg>
       </pc:sldChg>
       <pc:sldChg chg="addSp delSp modSp new mod">
-        <pc:chgData name="Swati Mohapatra" userId="abb5c7f9d847a7db" providerId="LiveId" clId="{4CEADEAF-F9BC-46DF-9A8B-EF1E40F01D80}" dt="2021-11-27T09:11:38.720" v="240" actId="14100"/>
+        <pc:chgData name="Swati Mohapatra" userId="abb5c7f9d847a7db" providerId="LiveId" clId="{4CEADEAF-F9BC-46DF-9A8B-EF1E40F01D80}" dt="2021-11-29T02:50:00.475" v="452" actId="1076"/>
         <pc:sldMkLst>
           <pc:docMk/>
           <pc:sldMk cId="4095381614" sldId="261"/>
@@ -296,6 +296,14 @@
           </ac:spMkLst>
         </pc:spChg>
         <pc:spChg chg="add del mod">
+          <ac:chgData name="Swati Mohapatra" userId="abb5c7f9d847a7db" providerId="LiveId" clId="{4CEADEAF-F9BC-46DF-9A8B-EF1E40F01D80}" dt="2021-11-29T02:49:35.755" v="448" actId="478"/>
+          <ac:spMkLst>
+            <pc:docMk/>
+            <pc:sldMk cId="4095381614" sldId="261"/>
+            <ac:spMk id="4" creationId="{A25B4D1C-3B0D-42CB-AA46-EAD6C899AB27}"/>
+          </ac:spMkLst>
+        </pc:spChg>
+        <pc:spChg chg="add del mod">
           <ac:chgData name="Swati Mohapatra" userId="abb5c7f9d847a7db" providerId="LiveId" clId="{4CEADEAF-F9BC-46DF-9A8B-EF1E40F01D80}" dt="2021-11-27T09:10:08.210" v="232" actId="22"/>
           <ac:spMkLst>
             <pc:docMk/>
@@ -311,8 +319,16 @@
             <ac:picMk id="5" creationId="{DEDE6B7A-26FB-4983-AB48-889C7415C08E}"/>
           </ac:picMkLst>
         </pc:picChg>
-        <pc:picChg chg="add mod ord">
-          <ac:chgData name="Swati Mohapatra" userId="abb5c7f9d847a7db" providerId="LiveId" clId="{4CEADEAF-F9BC-46DF-9A8B-EF1E40F01D80}" dt="2021-11-27T09:11:38.720" v="240" actId="14100"/>
+        <pc:picChg chg="add mod">
+          <ac:chgData name="Swati Mohapatra" userId="abb5c7f9d847a7db" providerId="LiveId" clId="{4CEADEAF-F9BC-46DF-9A8B-EF1E40F01D80}" dt="2021-11-29T02:50:00.475" v="452" actId="1076"/>
+          <ac:picMkLst>
+            <pc:docMk/>
+            <pc:sldMk cId="4095381614" sldId="261"/>
+            <ac:picMk id="6" creationId="{6B92EDEF-2DB5-4247-852A-58380E8F1ECD}"/>
+          </ac:picMkLst>
+        </pc:picChg>
+        <pc:picChg chg="add del mod ord">
+          <ac:chgData name="Swati Mohapatra" userId="abb5c7f9d847a7db" providerId="LiveId" clId="{4CEADEAF-F9BC-46DF-9A8B-EF1E40F01D80}" dt="2021-11-29T02:49:18.177" v="445" actId="478"/>
           <ac:picMkLst>
             <pc:docMk/>
             <pc:sldMk cId="4095381614" sldId="261"/>
@@ -321,13 +337,13 @@
         </pc:picChg>
       </pc:sldChg>
       <pc:sldChg chg="modSp new mod">
-        <pc:chgData name="Swati Mohapatra" userId="abb5c7f9d847a7db" providerId="LiveId" clId="{4CEADEAF-F9BC-46DF-9A8B-EF1E40F01D80}" dt="2021-11-27T21:33:00.028" v="280" actId="20577"/>
+        <pc:chgData name="Swati Mohapatra" userId="abb5c7f9d847a7db" providerId="LiveId" clId="{4CEADEAF-F9BC-46DF-9A8B-EF1E40F01D80}" dt="2021-11-29T01:13:37.360" v="444" actId="12"/>
         <pc:sldMkLst>
           <pc:docMk/>
           <pc:sldMk cId="1599619551" sldId="262"/>
         </pc:sldMkLst>
         <pc:spChg chg="mod">
-          <ac:chgData name="Swati Mohapatra" userId="abb5c7f9d847a7db" providerId="LiveId" clId="{4CEADEAF-F9BC-46DF-9A8B-EF1E40F01D80}" dt="2021-11-27T21:30:22.203" v="252" actId="115"/>
+          <ac:chgData name="Swati Mohapatra" userId="abb5c7f9d847a7db" providerId="LiveId" clId="{4CEADEAF-F9BC-46DF-9A8B-EF1E40F01D80}" dt="2021-11-29T01:12:30.577" v="301" actId="20577"/>
           <ac:spMkLst>
             <pc:docMk/>
             <pc:sldMk cId="1599619551" sldId="262"/>
@@ -335,7 +351,7 @@
           </ac:spMkLst>
         </pc:spChg>
         <pc:spChg chg="mod">
-          <ac:chgData name="Swati Mohapatra" userId="abb5c7f9d847a7db" providerId="LiveId" clId="{4CEADEAF-F9BC-46DF-9A8B-EF1E40F01D80}" dt="2021-11-27T21:33:00.028" v="280" actId="20577"/>
+          <ac:chgData name="Swati Mohapatra" userId="abb5c7f9d847a7db" providerId="LiveId" clId="{4CEADEAF-F9BC-46DF-9A8B-EF1E40F01D80}" dt="2021-11-29T01:13:37.360" v="444" actId="12"/>
           <ac:spMkLst>
             <pc:docMk/>
             <pc:sldMk cId="1599619551" sldId="262"/>
@@ -536,7 +552,7 @@
           <a:p>
             <a:fld id="{86971CB0-D784-4C46-8D05-8FA0C979EC0E}" type="datetimeFigureOut">
               <a:rPr lang="en-IN" smtClean="0"/>
-              <a:t>27-11-2021</a:t>
+              <a:t>28-11-2021</a:t>
             </a:fld>
             <a:endParaRPr lang="en-IN"/>
           </a:p>
@@ -874,7 +890,7 @@
           <a:p>
             <a:fld id="{86971CB0-D784-4C46-8D05-8FA0C979EC0E}" type="datetimeFigureOut">
               <a:rPr lang="en-IN" smtClean="0"/>
-              <a:t>27-11-2021</a:t>
+              <a:t>28-11-2021</a:t>
             </a:fld>
             <a:endParaRPr lang="en-IN"/>
           </a:p>
@@ -1275,7 +1291,7 @@
           <a:p>
             <a:fld id="{86971CB0-D784-4C46-8D05-8FA0C979EC0E}" type="datetimeFigureOut">
               <a:rPr lang="en-IN" smtClean="0"/>
-              <a:t>27-11-2021</a:t>
+              <a:t>28-11-2021</a:t>
             </a:fld>
             <a:endParaRPr lang="en-IN"/>
           </a:p>
@@ -1611,7 +1627,7 @@
           <a:p>
             <a:fld id="{86971CB0-D784-4C46-8D05-8FA0C979EC0E}" type="datetimeFigureOut">
               <a:rPr lang="en-IN" smtClean="0"/>
-              <a:t>27-11-2021</a:t>
+              <a:t>28-11-2021</a:t>
             </a:fld>
             <a:endParaRPr lang="en-IN"/>
           </a:p>
@@ -1931,7 +1947,7 @@
           <a:p>
             <a:fld id="{86971CB0-D784-4C46-8D05-8FA0C979EC0E}" type="datetimeFigureOut">
               <a:rPr lang="en-IN" smtClean="0"/>
-              <a:t>27-11-2021</a:t>
+              <a:t>28-11-2021</a:t>
             </a:fld>
             <a:endParaRPr lang="en-IN"/>
           </a:p>
@@ -2327,7 +2343,7 @@
           <a:p>
             <a:fld id="{86971CB0-D784-4C46-8D05-8FA0C979EC0E}" type="datetimeFigureOut">
               <a:rPr lang="en-IN" smtClean="0"/>
-              <a:t>27-11-2021</a:t>
+              <a:t>28-11-2021</a:t>
             </a:fld>
             <a:endParaRPr lang="en-IN"/>
           </a:p>
@@ -2584,7 +2600,7 @@
           <a:p>
             <a:fld id="{86971CB0-D784-4C46-8D05-8FA0C979EC0E}" type="datetimeFigureOut">
               <a:rPr lang="en-IN" smtClean="0"/>
-              <a:t>27-11-2021</a:t>
+              <a:t>28-11-2021</a:t>
             </a:fld>
             <a:endParaRPr lang="en-IN"/>
           </a:p>
@@ -2846,7 +2862,7 @@
           <a:p>
             <a:fld id="{86971CB0-D784-4C46-8D05-8FA0C979EC0E}" type="datetimeFigureOut">
               <a:rPr lang="en-IN" smtClean="0"/>
-              <a:t>27-11-2021</a:t>
+              <a:t>28-11-2021</a:t>
             </a:fld>
             <a:endParaRPr lang="en-IN"/>
           </a:p>
@@ -3108,7 +3124,7 @@
           <a:p>
             <a:fld id="{86971CB0-D784-4C46-8D05-8FA0C979EC0E}" type="datetimeFigureOut">
               <a:rPr lang="en-IN" smtClean="0"/>
-              <a:t>27-11-2021</a:t>
+              <a:t>28-11-2021</a:t>
             </a:fld>
             <a:endParaRPr lang="en-IN"/>
           </a:p>
@@ -3437,7 +3453,7 @@
           <a:p>
             <a:fld id="{86971CB0-D784-4C46-8D05-8FA0C979EC0E}" type="datetimeFigureOut">
               <a:rPr lang="en-IN" smtClean="0"/>
-              <a:t>27-11-2021</a:t>
+              <a:t>28-11-2021</a:t>
             </a:fld>
             <a:endParaRPr lang="en-IN"/>
           </a:p>
@@ -3760,7 +3776,7 @@
           <a:p>
             <a:fld id="{86971CB0-D784-4C46-8D05-8FA0C979EC0E}" type="datetimeFigureOut">
               <a:rPr lang="en-IN" smtClean="0"/>
-              <a:t>27-11-2021</a:t>
+              <a:t>28-11-2021</a:t>
             </a:fld>
             <a:endParaRPr lang="en-IN"/>
           </a:p>
@@ -4217,7 +4233,7 @@
           <a:p>
             <a:fld id="{86971CB0-D784-4C46-8D05-8FA0C979EC0E}" type="datetimeFigureOut">
               <a:rPr lang="en-IN" smtClean="0"/>
-              <a:t>27-11-2021</a:t>
+              <a:t>28-11-2021</a:t>
             </a:fld>
             <a:endParaRPr lang="en-IN"/>
           </a:p>
@@ -4422,7 +4438,7 @@
           <a:p>
             <a:fld id="{86971CB0-D784-4C46-8D05-8FA0C979EC0E}" type="datetimeFigureOut">
               <a:rPr lang="en-IN" smtClean="0"/>
-              <a:t>27-11-2021</a:t>
+              <a:t>28-11-2021</a:t>
             </a:fld>
             <a:endParaRPr lang="en-IN"/>
           </a:p>
@@ -4599,7 +4615,7 @@
           <a:p>
             <a:fld id="{86971CB0-D784-4C46-8D05-8FA0C979EC0E}" type="datetimeFigureOut">
               <a:rPr lang="en-IN" smtClean="0"/>
-              <a:t>27-11-2021</a:t>
+              <a:t>28-11-2021</a:t>
             </a:fld>
             <a:endParaRPr lang="en-IN"/>
           </a:p>
@@ -4932,7 +4948,7 @@
           <a:p>
             <a:fld id="{86971CB0-D784-4C46-8D05-8FA0C979EC0E}" type="datetimeFigureOut">
               <a:rPr lang="en-IN" smtClean="0"/>
-              <a:t>27-11-2021</a:t>
+              <a:t>28-11-2021</a:t>
             </a:fld>
             <a:endParaRPr lang="en-IN"/>
           </a:p>
@@ -5277,7 +5293,7 @@
           <a:p>
             <a:fld id="{86971CB0-D784-4C46-8D05-8FA0C979EC0E}" type="datetimeFigureOut">
               <a:rPr lang="en-IN" smtClean="0"/>
-              <a:t>27-11-2021</a:t>
+              <a:t>28-11-2021</a:t>
             </a:fld>
             <a:endParaRPr lang="en-IN"/>
           </a:p>
@@ -7394,7 +7410,7 @@
           <a:p>
             <a:fld id="{86971CB0-D784-4C46-8D05-8FA0C979EC0E}" type="datetimeFigureOut">
               <a:rPr lang="en-IN" smtClean="0"/>
-              <a:t>27-11-2021</a:t>
+              <a:t>28-11-2021</a:t>
             </a:fld>
             <a:endParaRPr lang="en-IN"/>
           </a:p>
@@ -8910,19 +8926,17 @@
       </p:sp>
       <p:pic>
         <p:nvPicPr>
-          <p:cNvPr id="9" name="Content Placeholder 8">
+          <p:cNvPr id="6" name="Picture 5">
             <a:extLst>
               <a:ext uri="{FF2B5EF4-FFF2-40B4-BE49-F238E27FC236}">
-                <a16:creationId xmlns:a16="http://schemas.microsoft.com/office/drawing/2014/main" id="{04BB14AA-B309-4A51-AC34-4BDC15EEB71F}"/>
+                <a16:creationId xmlns:a16="http://schemas.microsoft.com/office/drawing/2014/main" id="{6B92EDEF-2DB5-4247-852A-58380E8F1ECD}"/>
               </a:ext>
             </a:extLst>
           </p:cNvPr>
           <p:cNvPicPr>
-            <a:picLocks noGrp="1" noChangeAspect="1"/>
+            <a:picLocks noChangeAspect="1"/>
           </p:cNvPicPr>
-          <p:nvPr>
-            <p:ph idx="1"/>
-          </p:nvPr>
+          <p:nvPr/>
         </p:nvPicPr>
         <p:blipFill>
           <a:blip r:embed="rId2"/>
@@ -8932,22 +8946,12 @@
         </p:blipFill>
         <p:spPr>
           <a:xfrm>
-            <a:off x="3340359" y="1530220"/>
-            <a:ext cx="7137919" cy="4821226"/>
+            <a:off x="2584154" y="1755125"/>
+            <a:ext cx="8929228" cy="4478765"/>
           </a:xfrm>
           <a:prstGeom prst="rect">
             <a:avLst/>
           </a:prstGeom>
-          <a:ln>
-            <a:noFill/>
-          </a:ln>
-          <a:effectLst>
-            <a:outerShdw blurRad="292100" dist="139700" dir="2700000" algn="tl" rotWithShape="0">
-              <a:srgbClr val="333333">
-                <a:alpha val="65000"/>
-              </a:srgbClr>
-            </a:outerShdw>
-          </a:effectLst>
         </p:spPr>
       </p:pic>
     </p:spTree>
@@ -9003,7 +9007,7 @@
           <a:p>
             <a:r>
               <a:rPr lang="en-IN" u="sng" dirty="0"/>
-              <a:t>Pseudocode</a:t>
+              <a:t>Assumptions</a:t>
             </a:r>
           </a:p>
         </p:txBody>
@@ -9033,149 +9037,14 @@
               <a:buNone/>
             </a:pPr>
             <a:r>
-              <a:rPr lang="en-US" sz="1600" b="1" dirty="0">
-                <a:latin typeface="Times New Roman" panose="02020603050405020304" pitchFamily="18" charset="0"/>
-                <a:cs typeface="Times New Roman" panose="02020603050405020304" pitchFamily="18" charset="0"/>
-              </a:rPr>
-              <a:t>IF</a:t>
-            </a:r>
-            <a:r>
-              <a:rPr lang="en-US" dirty="0"/>
-              <a:t> </a:t>
-            </a:r>
-            <a:r>
-              <a:rPr lang="en-US" dirty="0">
-                <a:latin typeface="Times New Roman" panose="02020603050405020304" pitchFamily="18" charset="0"/>
-                <a:cs typeface="Times New Roman" panose="02020603050405020304" pitchFamily="18" charset="0"/>
-              </a:rPr>
-              <a:t>dirt is present </a:t>
-            </a:r>
-          </a:p>
-          <a:p>
-            <a:pPr marL="0" indent="0">
-              <a:buNone/>
-            </a:pPr>
-            <a:r>
-              <a:rPr lang="en-US" dirty="0"/>
-              <a:t>	</a:t>
-            </a:r>
-            <a:r>
-              <a:rPr lang="en-US" sz="1600" dirty="0">
-                <a:latin typeface="Times New Roman" panose="02020603050405020304" pitchFamily="18" charset="0"/>
-                <a:cs typeface="Times New Roman" panose="02020603050405020304" pitchFamily="18" charset="0"/>
-              </a:rPr>
-              <a:t>then</a:t>
-            </a:r>
-          </a:p>
-          <a:p>
-            <a:pPr marL="0" indent="0">
-              <a:buNone/>
-            </a:pPr>
-            <a:r>
-              <a:rPr lang="en-US" dirty="0"/>
-              <a:t>		</a:t>
-            </a:r>
-            <a:r>
-              <a:rPr lang="en-US" dirty="0">
-                <a:latin typeface="Times New Roman" panose="02020603050405020304" pitchFamily="18" charset="0"/>
-                <a:cs typeface="Times New Roman" panose="02020603050405020304" pitchFamily="18" charset="0"/>
-              </a:rPr>
-              <a:t>clean the place</a:t>
-            </a:r>
-          </a:p>
-          <a:p>
-            <a:pPr marL="0" indent="0">
-              <a:buNone/>
-            </a:pPr>
-            <a:r>
-              <a:rPr lang="en-US" b="1" dirty="0">
-                <a:latin typeface="Times New Roman" panose="02020603050405020304" pitchFamily="18" charset="0"/>
-                <a:cs typeface="Times New Roman" panose="02020603050405020304" pitchFamily="18" charset="0"/>
-              </a:rPr>
-              <a:t>ELSE IF </a:t>
-            </a:r>
-            <a:r>
-              <a:rPr lang="en-US" dirty="0">
-                <a:latin typeface="Times New Roman" panose="02020603050405020304" pitchFamily="18" charset="0"/>
-                <a:cs typeface="Times New Roman" panose="02020603050405020304" pitchFamily="18" charset="0"/>
-              </a:rPr>
-              <a:t>obstacle is present </a:t>
-            </a:r>
-          </a:p>
-          <a:p>
-            <a:pPr marL="0" indent="0">
-              <a:buNone/>
-            </a:pPr>
-            <a:r>
-              <a:rPr lang="en-US" dirty="0"/>
-              <a:t>	</a:t>
-            </a:r>
-            <a:r>
-              <a:rPr lang="en-US" dirty="0">
-                <a:latin typeface="Times New Roman" panose="02020603050405020304" pitchFamily="18" charset="0"/>
-                <a:cs typeface="Times New Roman" panose="02020603050405020304" pitchFamily="18" charset="0"/>
-              </a:rPr>
-              <a:t>then</a:t>
-            </a:r>
-          </a:p>
-          <a:p>
-            <a:pPr marL="0" indent="0">
-              <a:buNone/>
-            </a:pPr>
-            <a:r>
-              <a:rPr lang="en-US" dirty="0"/>
-              <a:t>		</a:t>
-            </a:r>
-            <a:r>
-              <a:rPr lang="en-US" dirty="0">
-                <a:latin typeface="Times New Roman" panose="02020603050405020304" pitchFamily="18" charset="0"/>
-                <a:cs typeface="Times New Roman" panose="02020603050405020304" pitchFamily="18" charset="0"/>
-              </a:rPr>
-              <a:t>turn in a direction according to the live </a:t>
-            </a:r>
-            <a:r>
-              <a:rPr lang="en-US">
-                <a:latin typeface="Times New Roman" panose="02020603050405020304" pitchFamily="18" charset="0"/>
-                <a:cs typeface="Times New Roman" panose="02020603050405020304" pitchFamily="18" charset="0"/>
-              </a:rPr>
-              <a:t>sensing data</a:t>
-            </a:r>
-            <a:endParaRPr lang="en-US" dirty="0">
-              <a:latin typeface="Times New Roman" panose="02020603050405020304" pitchFamily="18" charset="0"/>
-              <a:cs typeface="Times New Roman" panose="02020603050405020304" pitchFamily="18" charset="0"/>
-            </a:endParaRPr>
-          </a:p>
-          <a:p>
-            <a:pPr marL="0" indent="0">
-              <a:buNone/>
-            </a:pPr>
-            <a:r>
-              <a:rPr lang="en-US" b="1" dirty="0">
-                <a:latin typeface="Times New Roman" panose="02020603050405020304" pitchFamily="18" charset="0"/>
-                <a:cs typeface="Times New Roman" panose="02020603050405020304" pitchFamily="18" charset="0"/>
-              </a:rPr>
-              <a:t>ELSE </a:t>
-            </a:r>
-          </a:p>
-          <a:p>
-            <a:pPr marL="0" indent="0">
-              <a:buNone/>
-            </a:pPr>
-            <a:r>
-              <a:rPr lang="en-US" dirty="0"/>
-              <a:t>		</a:t>
-            </a:r>
-            <a:r>
-              <a:rPr lang="en-US" dirty="0">
-                <a:latin typeface="Times New Roman" panose="02020603050405020304" pitchFamily="18" charset="0"/>
-                <a:cs typeface="Times New Roman" panose="02020603050405020304" pitchFamily="18" charset="0"/>
-              </a:rPr>
-              <a:t>move forward</a:t>
-            </a:r>
-          </a:p>
-          <a:p>
-            <a:pPr marL="0" indent="0">
-              <a:buNone/>
+              <a:rPr lang="en-IN" dirty="0"/>
+              <a:t>We have taken the following assumptions while designing the system model and its simulation:</a:t>
+            </a:r>
+          </a:p>
+          <a:p>
+            <a:pPr>
+              <a:buFont typeface="+mj-lt"/>
+              <a:buAutoNum type="arabicPeriod"/>
             </a:pPr>
             <a:endParaRPr lang="en-IN" dirty="0"/>
           </a:p>

--- a/Presentation on CSE561 Project.pptx
+++ b/Presentation on CSE561 Project.pptx
@@ -12,6 +12,9 @@
     <p:sldId id="260" r:id="rId6"/>
     <p:sldId id="261" r:id="rId7"/>
     <p:sldId id="262" r:id="rId8"/>
+    <p:sldId id="263" r:id="rId9"/>
+    <p:sldId id="264" r:id="rId10"/>
+    <p:sldId id="265" r:id="rId11"/>
   </p:sldIdLst>
   <p:sldSz cx="12192000" cy="6858000"/>
   <p:notesSz cx="6858000" cy="9144000"/>
@@ -123,7 +126,7 @@
   <pc:docChgLst>
     <pc:chgData name="Swati Mohapatra" userId="abb5c7f9d847a7db" providerId="LiveId" clId="{4CEADEAF-F9BC-46DF-9A8B-EF1E40F01D80}"/>
     <pc:docChg chg="undo custSel addSld delSld modSld">
-      <pc:chgData name="Swati Mohapatra" userId="abb5c7f9d847a7db" providerId="LiveId" clId="{4CEADEAF-F9BC-46DF-9A8B-EF1E40F01D80}" dt="2021-11-29T02:50:00.475" v="452" actId="1076"/>
+      <pc:chgData name="Swati Mohapatra" userId="abb5c7f9d847a7db" providerId="LiveId" clId="{4CEADEAF-F9BC-46DF-9A8B-EF1E40F01D80}" dt="2021-11-29T08:07:55.345" v="1312" actId="122"/>
       <pc:docMkLst>
         <pc:docMk/>
       </pc:docMkLst>
@@ -221,7 +224,7 @@
         </pc:picChg>
       </pc:sldChg>
       <pc:sldChg chg="modSp new mod">
-        <pc:chgData name="Swati Mohapatra" userId="abb5c7f9d847a7db" providerId="LiveId" clId="{4CEADEAF-F9BC-46DF-9A8B-EF1E40F01D80}" dt="2021-11-27T06:04:15.235" v="174" actId="255"/>
+        <pc:chgData name="Swati Mohapatra" userId="abb5c7f9d847a7db" providerId="LiveId" clId="{4CEADEAF-F9BC-46DF-9A8B-EF1E40F01D80}" dt="2021-11-29T07:51:33.514" v="627" actId="20577"/>
         <pc:sldMkLst>
           <pc:docMk/>
           <pc:sldMk cId="1989358644" sldId="259"/>
@@ -235,7 +238,7 @@
           </ac:spMkLst>
         </pc:spChg>
         <pc:spChg chg="mod">
-          <ac:chgData name="Swati Mohapatra" userId="abb5c7f9d847a7db" providerId="LiveId" clId="{4CEADEAF-F9BC-46DF-9A8B-EF1E40F01D80}" dt="2021-11-27T06:04:15.235" v="174" actId="255"/>
+          <ac:chgData name="Swati Mohapatra" userId="abb5c7f9d847a7db" providerId="LiveId" clId="{4CEADEAF-F9BC-46DF-9A8B-EF1E40F01D80}" dt="2021-11-29T07:51:33.514" v="627" actId="20577"/>
           <ac:spMkLst>
             <pc:docMk/>
             <pc:sldMk cId="1989358644" sldId="259"/>
@@ -337,7 +340,7 @@
         </pc:picChg>
       </pc:sldChg>
       <pc:sldChg chg="modSp new mod">
-        <pc:chgData name="Swati Mohapatra" userId="abb5c7f9d847a7db" providerId="LiveId" clId="{4CEADEAF-F9BC-46DF-9A8B-EF1E40F01D80}" dt="2021-11-29T01:13:37.360" v="444" actId="12"/>
+        <pc:chgData name="Swati Mohapatra" userId="abb5c7f9d847a7db" providerId="LiveId" clId="{4CEADEAF-F9BC-46DF-9A8B-EF1E40F01D80}" dt="2021-11-29T08:06:18.123" v="1224" actId="5793"/>
         <pc:sldMkLst>
           <pc:docMk/>
           <pc:sldMk cId="1599619551" sldId="262"/>
@@ -351,11 +354,79 @@
           </ac:spMkLst>
         </pc:spChg>
         <pc:spChg chg="mod">
-          <ac:chgData name="Swati Mohapatra" userId="abb5c7f9d847a7db" providerId="LiveId" clId="{4CEADEAF-F9BC-46DF-9A8B-EF1E40F01D80}" dt="2021-11-29T01:13:37.360" v="444" actId="12"/>
+          <ac:chgData name="Swati Mohapatra" userId="abb5c7f9d847a7db" providerId="LiveId" clId="{4CEADEAF-F9BC-46DF-9A8B-EF1E40F01D80}" dt="2021-11-29T08:06:18.123" v="1224" actId="5793"/>
           <ac:spMkLst>
             <pc:docMk/>
             <pc:sldMk cId="1599619551" sldId="262"/>
             <ac:spMk id="3" creationId="{66B8CA5A-98F9-4D7F-9BDE-2882F852F353}"/>
+          </ac:spMkLst>
+        </pc:spChg>
+      </pc:sldChg>
+      <pc:sldChg chg="delSp modSp new mod">
+        <pc:chgData name="Swati Mohapatra" userId="abb5c7f9d847a7db" providerId="LiveId" clId="{4CEADEAF-F9BC-46DF-9A8B-EF1E40F01D80}" dt="2021-11-29T08:06:48.586" v="1231" actId="1076"/>
+        <pc:sldMkLst>
+          <pc:docMk/>
+          <pc:sldMk cId="3092017819" sldId="263"/>
+        </pc:sldMkLst>
+        <pc:spChg chg="del">
+          <ac:chgData name="Swati Mohapatra" userId="abb5c7f9d847a7db" providerId="LiveId" clId="{4CEADEAF-F9BC-46DF-9A8B-EF1E40F01D80}" dt="2021-11-29T08:06:41.536" v="1230" actId="478"/>
+          <ac:spMkLst>
+            <pc:docMk/>
+            <pc:sldMk cId="3092017819" sldId="263"/>
+            <ac:spMk id="2" creationId="{299ED806-11B0-4322-BB1D-D13C7CE2F73E}"/>
+          </ac:spMkLst>
+        </pc:spChg>
+        <pc:spChg chg="mod">
+          <ac:chgData name="Swati Mohapatra" userId="abb5c7f9d847a7db" providerId="LiveId" clId="{4CEADEAF-F9BC-46DF-9A8B-EF1E40F01D80}" dt="2021-11-29T08:06:48.586" v="1231" actId="1076"/>
+          <ac:spMkLst>
+            <pc:docMk/>
+            <pc:sldMk cId="3092017819" sldId="263"/>
+            <ac:spMk id="3" creationId="{D29EC466-BCBC-4CE9-B645-7DC062699E80}"/>
+          </ac:spMkLst>
+        </pc:spChg>
+      </pc:sldChg>
+      <pc:sldChg chg="new del">
+        <pc:chgData name="Swati Mohapatra" userId="abb5c7f9d847a7db" providerId="LiveId" clId="{4CEADEAF-F9BC-46DF-9A8B-EF1E40F01D80}" dt="2021-11-29T08:06:30.704" v="1226" actId="2696"/>
+        <pc:sldMkLst>
+          <pc:docMk/>
+          <pc:sldMk cId="3256057027" sldId="263"/>
+        </pc:sldMkLst>
+      </pc:sldChg>
+      <pc:sldChg chg="delSp modSp new mod">
+        <pc:chgData name="Swati Mohapatra" userId="abb5c7f9d847a7db" providerId="LiveId" clId="{4CEADEAF-F9BC-46DF-9A8B-EF1E40F01D80}" dt="2021-11-29T08:07:30.716" v="1299" actId="478"/>
+        <pc:sldMkLst>
+          <pc:docMk/>
+          <pc:sldMk cId="607805386" sldId="264"/>
+        </pc:sldMkLst>
+        <pc:spChg chg="mod">
+          <ac:chgData name="Swati Mohapatra" userId="abb5c7f9d847a7db" providerId="LiveId" clId="{4CEADEAF-F9BC-46DF-9A8B-EF1E40F01D80}" dt="2021-11-29T08:07:26.660" v="1298" actId="20577"/>
+          <ac:spMkLst>
+            <pc:docMk/>
+            <pc:sldMk cId="607805386" sldId="264"/>
+            <ac:spMk id="2" creationId="{0C650AD9-17A0-4C67-A8F1-D8CFEC5DFFA4}"/>
+          </ac:spMkLst>
+        </pc:spChg>
+        <pc:spChg chg="del">
+          <ac:chgData name="Swati Mohapatra" userId="abb5c7f9d847a7db" providerId="LiveId" clId="{4CEADEAF-F9BC-46DF-9A8B-EF1E40F01D80}" dt="2021-11-29T08:07:30.716" v="1299" actId="478"/>
+          <ac:spMkLst>
+            <pc:docMk/>
+            <pc:sldMk cId="607805386" sldId="264"/>
+            <ac:spMk id="3" creationId="{ACE5B0C2-4245-4CEB-9AFF-ECC97801A81E}"/>
+          </ac:spMkLst>
+        </pc:spChg>
+      </pc:sldChg>
+      <pc:sldChg chg="modSp new mod">
+        <pc:chgData name="Swati Mohapatra" userId="abb5c7f9d847a7db" providerId="LiveId" clId="{4CEADEAF-F9BC-46DF-9A8B-EF1E40F01D80}" dt="2021-11-29T08:07:55.345" v="1312" actId="122"/>
+        <pc:sldMkLst>
+          <pc:docMk/>
+          <pc:sldMk cId="983562447" sldId="265"/>
+        </pc:sldMkLst>
+        <pc:spChg chg="mod">
+          <ac:chgData name="Swati Mohapatra" userId="abb5c7f9d847a7db" providerId="LiveId" clId="{4CEADEAF-F9BC-46DF-9A8B-EF1E40F01D80}" dt="2021-11-29T08:07:55.345" v="1312" actId="122"/>
+          <ac:spMkLst>
+            <pc:docMk/>
+            <pc:sldMk cId="983562447" sldId="265"/>
+            <ac:spMk id="2" creationId="{53DBA639-B918-42EC-A700-E2D3BBE035DB}"/>
           </ac:spMkLst>
         </pc:spChg>
       </pc:sldChg>
@@ -552,7 +623,7 @@
           <a:p>
             <a:fld id="{86971CB0-D784-4C46-8D05-8FA0C979EC0E}" type="datetimeFigureOut">
               <a:rPr lang="en-IN" smtClean="0"/>
-              <a:t>28-11-2021</a:t>
+              <a:t>29-11-2021</a:t>
             </a:fld>
             <a:endParaRPr lang="en-IN"/>
           </a:p>
@@ -890,7 +961,7 @@
           <a:p>
             <a:fld id="{86971CB0-D784-4C46-8D05-8FA0C979EC0E}" type="datetimeFigureOut">
               <a:rPr lang="en-IN" smtClean="0"/>
-              <a:t>28-11-2021</a:t>
+              <a:t>29-11-2021</a:t>
             </a:fld>
             <a:endParaRPr lang="en-IN"/>
           </a:p>
@@ -1291,7 +1362,7 @@
           <a:p>
             <a:fld id="{86971CB0-D784-4C46-8D05-8FA0C979EC0E}" type="datetimeFigureOut">
               <a:rPr lang="en-IN" smtClean="0"/>
-              <a:t>28-11-2021</a:t>
+              <a:t>29-11-2021</a:t>
             </a:fld>
             <a:endParaRPr lang="en-IN"/>
           </a:p>
@@ -1627,7 +1698,7 @@
           <a:p>
             <a:fld id="{86971CB0-D784-4C46-8D05-8FA0C979EC0E}" type="datetimeFigureOut">
               <a:rPr lang="en-IN" smtClean="0"/>
-              <a:t>28-11-2021</a:t>
+              <a:t>29-11-2021</a:t>
             </a:fld>
             <a:endParaRPr lang="en-IN"/>
           </a:p>
@@ -1947,7 +2018,7 @@
           <a:p>
             <a:fld id="{86971CB0-D784-4C46-8D05-8FA0C979EC0E}" type="datetimeFigureOut">
               <a:rPr lang="en-IN" smtClean="0"/>
-              <a:t>28-11-2021</a:t>
+              <a:t>29-11-2021</a:t>
             </a:fld>
             <a:endParaRPr lang="en-IN"/>
           </a:p>
@@ -2343,7 +2414,7 @@
           <a:p>
             <a:fld id="{86971CB0-D784-4C46-8D05-8FA0C979EC0E}" type="datetimeFigureOut">
               <a:rPr lang="en-IN" smtClean="0"/>
-              <a:t>28-11-2021</a:t>
+              <a:t>29-11-2021</a:t>
             </a:fld>
             <a:endParaRPr lang="en-IN"/>
           </a:p>
@@ -2600,7 +2671,7 @@
           <a:p>
             <a:fld id="{86971CB0-D784-4C46-8D05-8FA0C979EC0E}" type="datetimeFigureOut">
               <a:rPr lang="en-IN" smtClean="0"/>
-              <a:t>28-11-2021</a:t>
+              <a:t>29-11-2021</a:t>
             </a:fld>
             <a:endParaRPr lang="en-IN"/>
           </a:p>
@@ -2862,7 +2933,7 @@
           <a:p>
             <a:fld id="{86971CB0-D784-4C46-8D05-8FA0C979EC0E}" type="datetimeFigureOut">
               <a:rPr lang="en-IN" smtClean="0"/>
-              <a:t>28-11-2021</a:t>
+              <a:t>29-11-2021</a:t>
             </a:fld>
             <a:endParaRPr lang="en-IN"/>
           </a:p>
@@ -3124,7 +3195,7 @@
           <a:p>
             <a:fld id="{86971CB0-D784-4C46-8D05-8FA0C979EC0E}" type="datetimeFigureOut">
               <a:rPr lang="en-IN" smtClean="0"/>
-              <a:t>28-11-2021</a:t>
+              <a:t>29-11-2021</a:t>
             </a:fld>
             <a:endParaRPr lang="en-IN"/>
           </a:p>
@@ -3453,7 +3524,7 @@
           <a:p>
             <a:fld id="{86971CB0-D784-4C46-8D05-8FA0C979EC0E}" type="datetimeFigureOut">
               <a:rPr lang="en-IN" smtClean="0"/>
-              <a:t>28-11-2021</a:t>
+              <a:t>29-11-2021</a:t>
             </a:fld>
             <a:endParaRPr lang="en-IN"/>
           </a:p>
@@ -3776,7 +3847,7 @@
           <a:p>
             <a:fld id="{86971CB0-D784-4C46-8D05-8FA0C979EC0E}" type="datetimeFigureOut">
               <a:rPr lang="en-IN" smtClean="0"/>
-              <a:t>28-11-2021</a:t>
+              <a:t>29-11-2021</a:t>
             </a:fld>
             <a:endParaRPr lang="en-IN"/>
           </a:p>
@@ -4233,7 +4304,7 @@
           <a:p>
             <a:fld id="{86971CB0-D784-4C46-8D05-8FA0C979EC0E}" type="datetimeFigureOut">
               <a:rPr lang="en-IN" smtClean="0"/>
-              <a:t>28-11-2021</a:t>
+              <a:t>29-11-2021</a:t>
             </a:fld>
             <a:endParaRPr lang="en-IN"/>
           </a:p>
@@ -4438,7 +4509,7 @@
           <a:p>
             <a:fld id="{86971CB0-D784-4C46-8D05-8FA0C979EC0E}" type="datetimeFigureOut">
               <a:rPr lang="en-IN" smtClean="0"/>
-              <a:t>28-11-2021</a:t>
+              <a:t>29-11-2021</a:t>
             </a:fld>
             <a:endParaRPr lang="en-IN"/>
           </a:p>
@@ -4615,7 +4686,7 @@
           <a:p>
             <a:fld id="{86971CB0-D784-4C46-8D05-8FA0C979EC0E}" type="datetimeFigureOut">
               <a:rPr lang="en-IN" smtClean="0"/>
-              <a:t>28-11-2021</a:t>
+              <a:t>29-11-2021</a:t>
             </a:fld>
             <a:endParaRPr lang="en-IN"/>
           </a:p>
@@ -4948,7 +5019,7 @@
           <a:p>
             <a:fld id="{86971CB0-D784-4C46-8D05-8FA0C979EC0E}" type="datetimeFigureOut">
               <a:rPr lang="en-IN" smtClean="0"/>
-              <a:t>28-11-2021</a:t>
+              <a:t>29-11-2021</a:t>
             </a:fld>
             <a:endParaRPr lang="en-IN"/>
           </a:p>
@@ -5293,7 +5364,7 @@
           <a:p>
             <a:fld id="{86971CB0-D784-4C46-8D05-8FA0C979EC0E}" type="datetimeFigureOut">
               <a:rPr lang="en-IN" smtClean="0"/>
-              <a:t>28-11-2021</a:t>
+              <a:t>29-11-2021</a:t>
             </a:fld>
             <a:endParaRPr lang="en-IN"/>
           </a:p>
@@ -7410,7 +7481,7 @@
           <a:p>
             <a:fld id="{86971CB0-D784-4C46-8D05-8FA0C979EC0E}" type="datetimeFigureOut">
               <a:rPr lang="en-IN" smtClean="0"/>
-              <a:t>28-11-2021</a:t>
+              <a:t>29-11-2021</a:t>
             </a:fld>
             <a:endParaRPr lang="en-IN"/>
           </a:p>
@@ -8143,6 +8214,70 @@
 </p:sld>
 </file>
 
+<file path=ppt/slides/slide10.xml><?xml version="1.0" encoding="utf-8"?>
+<p:sld xmlns:a="http://schemas.openxmlformats.org/drawingml/2006/main" xmlns:r="http://schemas.openxmlformats.org/officeDocument/2006/relationships" xmlns:p="http://schemas.openxmlformats.org/presentationml/2006/main">
+  <p:cSld>
+    <p:spTree>
+      <p:nvGrpSpPr>
+        <p:cNvPr id="1" name=""/>
+        <p:cNvGrpSpPr/>
+        <p:nvPr/>
+      </p:nvGrpSpPr>
+      <p:grpSpPr>
+        <a:xfrm>
+          <a:off x="0" y="0"/>
+          <a:ext cx="0" cy="0"/>
+          <a:chOff x="0" y="0"/>
+          <a:chExt cx="0" cy="0"/>
+        </a:xfrm>
+      </p:grpSpPr>
+      <p:sp>
+        <p:nvSpPr>
+          <p:cNvPr id="2" name="Title 1">
+            <a:extLst>
+              <a:ext uri="{FF2B5EF4-FFF2-40B4-BE49-F238E27FC236}">
+                <a16:creationId xmlns:a16="http://schemas.microsoft.com/office/drawing/2014/main" id="{53DBA639-B918-42EC-A700-E2D3BBE035DB}"/>
+              </a:ext>
+            </a:extLst>
+          </p:cNvPr>
+          <p:cNvSpPr>
+            <a:spLocks noGrp="1"/>
+          </p:cNvSpPr>
+          <p:nvPr>
+            <p:ph type="title"/>
+          </p:nvPr>
+        </p:nvSpPr>
+        <p:spPr>
+          <a:xfrm>
+            <a:off x="2715472" y="2236094"/>
+            <a:ext cx="8911687" cy="1280890"/>
+          </a:xfrm>
+        </p:spPr>
+        <p:txBody>
+          <a:bodyPr/>
+          <a:lstStyle/>
+          <a:p>
+            <a:pPr algn="ctr"/>
+            <a:r>
+              <a:rPr lang="en-IN" dirty="0"/>
+              <a:t>Thank You!</a:t>
+            </a:r>
+          </a:p>
+        </p:txBody>
+      </p:sp>
+    </p:spTree>
+    <p:extLst>
+      <p:ext uri="{BB962C8B-B14F-4D97-AF65-F5344CB8AC3E}">
+        <p14:creationId xmlns:p14="http://schemas.microsoft.com/office/powerpoint/2010/main" val="983562447"/>
+      </p:ext>
+    </p:extLst>
+  </p:cSld>
+  <p:clrMapOvr>
+    <a:masterClrMapping/>
+  </p:clrMapOvr>
+</p:sld>
+</file>
+
 <file path=ppt/slides/slide2.xml><?xml version="1.0" encoding="utf-8"?>
 <p:sld xmlns:a="http://schemas.openxmlformats.org/drawingml/2006/main" xmlns:r="http://schemas.openxmlformats.org/officeDocument/2006/relationships" xmlns:p="http://schemas.openxmlformats.org/presentationml/2006/main">
   <p:cSld>
@@ -8566,7 +8701,9 @@
         </p:nvSpPr>
         <p:spPr/>
         <p:txBody>
-          <a:bodyPr/>
+          <a:bodyPr>
+            <a:normAutofit lnSpcReduction="10000"/>
+          </a:bodyPr>
           <a:lstStyle/>
           <a:p>
             <a:pPr>
@@ -8679,7 +8816,63 @@
                 <a:latin typeface="Times New Roman" panose="02020603050405020304" pitchFamily="18" charset="0"/>
                 <a:cs typeface="Times New Roman" panose="02020603050405020304" pitchFamily="18" charset="0"/>
               </a:rPr>
-              <a:t>Used to move the wheels of the bot. </a:t>
+              <a:t>Used to move the wheels of the bot (states are the movement directions: North, South, East, West, </a:t>
+            </a:r>
+            <a:r>
+              <a:rPr lang="en-US" sz="1800" dirty="0" err="1">
+                <a:latin typeface="Times New Roman" panose="02020603050405020304" pitchFamily="18" charset="0"/>
+                <a:cs typeface="Times New Roman" panose="02020603050405020304" pitchFamily="18" charset="0"/>
+              </a:rPr>
+              <a:t>SouthEast</a:t>
+            </a:r>
+            <a:r>
+              <a:rPr lang="en-US" sz="1800" dirty="0">
+                <a:latin typeface="Times New Roman" panose="02020603050405020304" pitchFamily="18" charset="0"/>
+                <a:cs typeface="Times New Roman" panose="02020603050405020304" pitchFamily="18" charset="0"/>
+              </a:rPr>
+              <a:t>, </a:t>
+            </a:r>
+            <a:r>
+              <a:rPr lang="en-US" sz="1800" dirty="0" err="1">
+                <a:latin typeface="Times New Roman" panose="02020603050405020304" pitchFamily="18" charset="0"/>
+                <a:cs typeface="Times New Roman" panose="02020603050405020304" pitchFamily="18" charset="0"/>
+              </a:rPr>
+              <a:t>SouthWest</a:t>
+            </a:r>
+            <a:r>
+              <a:rPr lang="en-US" sz="1800" dirty="0">
+                <a:latin typeface="Times New Roman" panose="02020603050405020304" pitchFamily="18" charset="0"/>
+                <a:cs typeface="Times New Roman" panose="02020603050405020304" pitchFamily="18" charset="0"/>
+              </a:rPr>
+              <a:t>, </a:t>
+            </a:r>
+            <a:r>
+              <a:rPr lang="en-US" sz="1800" dirty="0" err="1">
+                <a:latin typeface="Times New Roman" panose="02020603050405020304" pitchFamily="18" charset="0"/>
+                <a:cs typeface="Times New Roman" panose="02020603050405020304" pitchFamily="18" charset="0"/>
+              </a:rPr>
+              <a:t>NorthEast</a:t>
+            </a:r>
+            <a:r>
+              <a:rPr lang="en-US" sz="1800" dirty="0">
+                <a:latin typeface="Times New Roman" panose="02020603050405020304" pitchFamily="18" charset="0"/>
+                <a:cs typeface="Times New Roman" panose="02020603050405020304" pitchFamily="18" charset="0"/>
+              </a:rPr>
+              <a:t>, </a:t>
+            </a:r>
+            <a:r>
+              <a:rPr lang="en-US" sz="1800" dirty="0" err="1">
+                <a:latin typeface="Times New Roman" panose="02020603050405020304" pitchFamily="18" charset="0"/>
+                <a:cs typeface="Times New Roman" panose="02020603050405020304" pitchFamily="18" charset="0"/>
+              </a:rPr>
+              <a:t>NorthWest</a:t>
+            </a:r>
+            <a:r>
+              <a:rPr lang="en-US" sz="1800" dirty="0">
+                <a:latin typeface="Times New Roman" panose="02020603050405020304" pitchFamily="18" charset="0"/>
+                <a:cs typeface="Times New Roman" panose="02020603050405020304" pitchFamily="18" charset="0"/>
+              </a:rPr>
+              <a:t>). </a:t>
             </a:r>
           </a:p>
           <a:p>
@@ -8692,7 +8885,7 @@
                 <a:latin typeface="Times New Roman" panose="02020603050405020304" pitchFamily="18" charset="0"/>
                 <a:cs typeface="Times New Roman" panose="02020603050405020304" pitchFamily="18" charset="0"/>
               </a:rPr>
-              <a:t>To operate the fan at the intake port. </a:t>
+              <a:t>To operate the suction pump at the intake port (states are active and passive)</a:t>
             </a:r>
           </a:p>
           <a:p>
@@ -9030,23 +9223,87 @@
         </p:nvSpPr>
         <p:spPr/>
         <p:txBody>
-          <a:bodyPr/>
+          <a:bodyPr>
+            <a:noAutofit/>
+          </a:bodyPr>
           <a:lstStyle/>
           <a:p>
             <a:pPr marL="0" indent="0">
               <a:buNone/>
             </a:pPr>
             <a:r>
-              <a:rPr lang="en-IN" dirty="0"/>
+              <a:rPr lang="en-IN" dirty="0">
+                <a:latin typeface="Times New Roman" panose="02020603050405020304" pitchFamily="18" charset="0"/>
+                <a:cs typeface="Times New Roman" panose="02020603050405020304" pitchFamily="18" charset="0"/>
+              </a:rPr>
               <a:t>We have taken the following assumptions while designing the system model and its simulation:</a:t>
             </a:r>
           </a:p>
           <a:p>
-            <a:pPr>
-              <a:buFont typeface="+mj-lt"/>
-              <a:buAutoNum type="arabicPeriod"/>
+            <a:r>
+              <a:rPr lang="en-IN" dirty="0">
+                <a:latin typeface="Times New Roman" panose="02020603050405020304" pitchFamily="18" charset="0"/>
+                <a:cs typeface="Times New Roman" panose="02020603050405020304" pitchFamily="18" charset="0"/>
+              </a:rPr>
+              <a:t>Environment is assumed as a grid.</a:t>
+            </a:r>
+          </a:p>
+          <a:p>
+            <a:pPr marL="0" indent="0">
+              <a:buNone/>
             </a:pPr>
-            <a:endParaRPr lang="en-IN" dirty="0"/>
+            <a:endParaRPr lang="en-IN" dirty="0">
+              <a:latin typeface="Times New Roman" panose="02020603050405020304" pitchFamily="18" charset="0"/>
+              <a:cs typeface="Times New Roman" panose="02020603050405020304" pitchFamily="18" charset="0"/>
+            </a:endParaRPr>
+          </a:p>
+          <a:p>
+            <a:r>
+              <a:rPr lang="en-IN" dirty="0">
+                <a:latin typeface="Times New Roman" panose="02020603050405020304" pitchFamily="18" charset="0"/>
+                <a:cs typeface="Times New Roman" panose="02020603050405020304" pitchFamily="18" charset="0"/>
+              </a:rPr>
+              <a:t>The following finite time assumptions have been taken:</a:t>
+            </a:r>
+          </a:p>
+          <a:p>
+            <a:pPr marL="685800" lvl="1">
+              <a:buFont typeface="Arial" panose="020B0604020202020204" pitchFamily="34" charset="0"/>
+              <a:buChar char="•"/>
+            </a:pPr>
+            <a:r>
+              <a:rPr lang="en-IN" sz="1800" dirty="0">
+                <a:latin typeface="Times New Roman" panose="02020603050405020304" pitchFamily="18" charset="0"/>
+                <a:cs typeface="Times New Roman" panose="02020603050405020304" pitchFamily="18" charset="0"/>
+              </a:rPr>
+              <a:t>To move from one cell to another : 2 seconds.</a:t>
+            </a:r>
+          </a:p>
+          <a:p>
+            <a:pPr marL="685800" lvl="1">
+              <a:buFont typeface="Arial" panose="020B0604020202020204" pitchFamily="34" charset="0"/>
+              <a:buChar char="•"/>
+            </a:pPr>
+            <a:r>
+              <a:rPr lang="en-IN" sz="1800" dirty="0">
+                <a:latin typeface="Times New Roman" panose="02020603050405020304" pitchFamily="18" charset="0"/>
+                <a:cs typeface="Times New Roman" panose="02020603050405020304" pitchFamily="18" charset="0"/>
+              </a:rPr>
+              <a:t>Suction pump to clean :10 seconds.</a:t>
+            </a:r>
+          </a:p>
+          <a:p>
+            <a:pPr marL="685800" lvl="1">
+              <a:buFont typeface="Arial" panose="020B0604020202020204" pitchFamily="34" charset="0"/>
+              <a:buChar char="•"/>
+            </a:pPr>
+            <a:r>
+              <a:rPr lang="en-IN" sz="1800" dirty="0">
+                <a:latin typeface="Times New Roman" panose="02020603050405020304" pitchFamily="18" charset="0"/>
+                <a:cs typeface="Times New Roman" panose="02020603050405020304" pitchFamily="18" charset="0"/>
+              </a:rPr>
+              <a:t>ECU : 1 second.</a:t>
+            </a:r>
           </a:p>
         </p:txBody>
       </p:sp>
@@ -9054,6 +9311,210 @@
     <p:extLst>
       <p:ext uri="{BB962C8B-B14F-4D97-AF65-F5344CB8AC3E}">
         <p14:creationId xmlns:p14="http://schemas.microsoft.com/office/powerpoint/2010/main" val="1599619551"/>
+      </p:ext>
+    </p:extLst>
+  </p:cSld>
+  <p:clrMapOvr>
+    <a:masterClrMapping/>
+  </p:clrMapOvr>
+</p:sld>
+</file>
+
+<file path=ppt/slides/slide8.xml><?xml version="1.0" encoding="utf-8"?>
+<p:sld xmlns:a="http://schemas.openxmlformats.org/drawingml/2006/main" xmlns:r="http://schemas.openxmlformats.org/officeDocument/2006/relationships" xmlns:p="http://schemas.openxmlformats.org/presentationml/2006/main">
+  <p:cSld>
+    <p:spTree>
+      <p:nvGrpSpPr>
+        <p:cNvPr id="1" name=""/>
+        <p:cNvGrpSpPr/>
+        <p:nvPr/>
+      </p:nvGrpSpPr>
+      <p:grpSpPr>
+        <a:xfrm>
+          <a:off x="0" y="0"/>
+          <a:ext cx="0" cy="0"/>
+          <a:chOff x="0" y="0"/>
+          <a:chExt cx="0" cy="0"/>
+        </a:xfrm>
+      </p:grpSpPr>
+      <p:sp>
+        <p:nvSpPr>
+          <p:cNvPr id="3" name="Content Placeholder 2">
+            <a:extLst>
+              <a:ext uri="{FF2B5EF4-FFF2-40B4-BE49-F238E27FC236}">
+                <a16:creationId xmlns:a16="http://schemas.microsoft.com/office/drawing/2014/main" id="{D29EC466-BCBC-4CE9-B645-7DC062699E80}"/>
+              </a:ext>
+            </a:extLst>
+          </p:cNvPr>
+          <p:cNvSpPr>
+            <a:spLocks noGrp="1"/>
+          </p:cNvSpPr>
+          <p:nvPr>
+            <p:ph idx="1"/>
+          </p:nvPr>
+        </p:nvSpPr>
+        <p:spPr>
+          <a:xfrm>
+            <a:off x="2758895" y="1134358"/>
+            <a:ext cx="8915400" cy="3777622"/>
+          </a:xfrm>
+        </p:spPr>
+        <p:txBody>
+          <a:bodyPr/>
+          <a:lstStyle/>
+          <a:p>
+            <a:r>
+              <a:rPr lang="en-IN" dirty="0">
+                <a:latin typeface="Times New Roman" panose="02020603050405020304" pitchFamily="18" charset="0"/>
+                <a:cs typeface="Times New Roman" panose="02020603050405020304" pitchFamily="18" charset="0"/>
+              </a:rPr>
+              <a:t>Current consumption of components:</a:t>
+            </a:r>
+          </a:p>
+          <a:p>
+            <a:pPr lvl="1">
+              <a:buFont typeface="Arial" panose="020B0604020202020204" pitchFamily="34" charset="0"/>
+              <a:buChar char="•"/>
+            </a:pPr>
+            <a:r>
+              <a:rPr lang="en-IN" sz="1800" dirty="0">
+                <a:latin typeface="Times New Roman" panose="02020603050405020304" pitchFamily="18" charset="0"/>
+                <a:cs typeface="Times New Roman" panose="02020603050405020304" pitchFamily="18" charset="0"/>
+              </a:rPr>
+              <a:t>LIDAR: 625mA</a:t>
+            </a:r>
+          </a:p>
+          <a:p>
+            <a:pPr lvl="1">
+              <a:buFont typeface="Arial" panose="020B0604020202020204" pitchFamily="34" charset="0"/>
+              <a:buChar char="•"/>
+            </a:pPr>
+            <a:r>
+              <a:rPr lang="en-IN" sz="1800" dirty="0">
+                <a:latin typeface="Times New Roman" panose="02020603050405020304" pitchFamily="18" charset="0"/>
+                <a:cs typeface="Times New Roman" panose="02020603050405020304" pitchFamily="18" charset="0"/>
+              </a:rPr>
+              <a:t>IR: 20mA</a:t>
+            </a:r>
+          </a:p>
+          <a:p>
+            <a:pPr lvl="1">
+              <a:buFont typeface="Arial" panose="020B0604020202020204" pitchFamily="34" charset="0"/>
+              <a:buChar char="•"/>
+            </a:pPr>
+            <a:r>
+              <a:rPr lang="en-IN" sz="1800" dirty="0">
+                <a:latin typeface="Times New Roman" panose="02020603050405020304" pitchFamily="18" charset="0"/>
+                <a:cs typeface="Times New Roman" panose="02020603050405020304" pitchFamily="18" charset="0"/>
+              </a:rPr>
+              <a:t>ECU: 50mA</a:t>
+            </a:r>
+          </a:p>
+          <a:p>
+            <a:pPr lvl="1">
+              <a:buFont typeface="Arial" panose="020B0604020202020204" pitchFamily="34" charset="0"/>
+              <a:buChar char="•"/>
+            </a:pPr>
+            <a:r>
+              <a:rPr lang="en-IN" sz="1800" dirty="0">
+                <a:latin typeface="Times New Roman" panose="02020603050405020304" pitchFamily="18" charset="0"/>
+                <a:cs typeface="Times New Roman" panose="02020603050405020304" pitchFamily="18" charset="0"/>
+              </a:rPr>
+              <a:t>Suction pump: 7000 mA</a:t>
+            </a:r>
+          </a:p>
+          <a:p>
+            <a:pPr lvl="1">
+              <a:buFont typeface="Arial" panose="020B0604020202020204" pitchFamily="34" charset="0"/>
+              <a:buChar char="•"/>
+            </a:pPr>
+            <a:r>
+              <a:rPr lang="en-IN" sz="1800" dirty="0">
+                <a:latin typeface="Times New Roman" panose="02020603050405020304" pitchFamily="18" charset="0"/>
+                <a:cs typeface="Times New Roman" panose="02020603050405020304" pitchFamily="18" charset="0"/>
+              </a:rPr>
+              <a:t>Wheels: 900mA</a:t>
+            </a:r>
+          </a:p>
+          <a:p>
+            <a:r>
+              <a:rPr lang="en-IN" dirty="0">
+                <a:latin typeface="Times New Roman" panose="02020603050405020304" pitchFamily="18" charset="0"/>
+                <a:cs typeface="Times New Roman" panose="02020603050405020304" pitchFamily="18" charset="0"/>
+              </a:rPr>
+              <a:t>Batteries used: Battery 1- Lithium Ion, Battery 2- Lead Acid</a:t>
+            </a:r>
+          </a:p>
+          <a:p>
+            <a:pPr marL="0" indent="0">
+              <a:buNone/>
+            </a:pPr>
+            <a:endParaRPr lang="en-IN" dirty="0"/>
+          </a:p>
+        </p:txBody>
+      </p:sp>
+    </p:spTree>
+    <p:extLst>
+      <p:ext uri="{BB962C8B-B14F-4D97-AF65-F5344CB8AC3E}">
+        <p14:creationId xmlns:p14="http://schemas.microsoft.com/office/powerpoint/2010/main" val="3092017819"/>
+      </p:ext>
+    </p:extLst>
+  </p:cSld>
+  <p:clrMapOvr>
+    <a:masterClrMapping/>
+  </p:clrMapOvr>
+</p:sld>
+</file>
+
+<file path=ppt/slides/slide9.xml><?xml version="1.0" encoding="utf-8"?>
+<p:sld xmlns:a="http://schemas.openxmlformats.org/drawingml/2006/main" xmlns:r="http://schemas.openxmlformats.org/officeDocument/2006/relationships" xmlns:p="http://schemas.openxmlformats.org/presentationml/2006/main">
+  <p:cSld>
+    <p:spTree>
+      <p:nvGrpSpPr>
+        <p:cNvPr id="1" name=""/>
+        <p:cNvGrpSpPr/>
+        <p:nvPr/>
+      </p:nvGrpSpPr>
+      <p:grpSpPr>
+        <a:xfrm>
+          <a:off x="0" y="0"/>
+          <a:ext cx="0" cy="0"/>
+          <a:chOff x="0" y="0"/>
+          <a:chExt cx="0" cy="0"/>
+        </a:xfrm>
+      </p:grpSpPr>
+      <p:sp>
+        <p:nvSpPr>
+          <p:cNvPr id="2" name="Title 1">
+            <a:extLst>
+              <a:ext uri="{FF2B5EF4-FFF2-40B4-BE49-F238E27FC236}">
+                <a16:creationId xmlns:a16="http://schemas.microsoft.com/office/drawing/2014/main" id="{0C650AD9-17A0-4C67-A8F1-D8CFEC5DFFA4}"/>
+              </a:ext>
+            </a:extLst>
+          </p:cNvPr>
+          <p:cNvSpPr>
+            <a:spLocks noGrp="1"/>
+          </p:cNvSpPr>
+          <p:nvPr>
+            <p:ph type="title"/>
+          </p:nvPr>
+        </p:nvSpPr>
+        <p:spPr/>
+        <p:txBody>
+          <a:bodyPr/>
+          <a:lstStyle/>
+          <a:p>
+            <a:r>
+              <a:rPr lang="en-IN" dirty="0"/>
+              <a:t>Following is the video for the simulation model:</a:t>
+            </a:r>
+          </a:p>
+        </p:txBody>
+      </p:sp>
+    </p:spTree>
+    <p:extLst>
+      <p:ext uri="{BB962C8B-B14F-4D97-AF65-F5344CB8AC3E}">
+        <p14:creationId xmlns:p14="http://schemas.microsoft.com/office/powerpoint/2010/main" val="607805386"/>
       </p:ext>
     </p:extLst>
   </p:cSld>

--- a/Presentation on CSE561 Project.pptx
+++ b/Presentation on CSE561 Project.pptx
@@ -8,9 +8,9 @@
     <p:sldId id="256" r:id="rId2"/>
     <p:sldId id="257" r:id="rId3"/>
     <p:sldId id="258" r:id="rId4"/>
-    <p:sldId id="259" r:id="rId5"/>
-    <p:sldId id="260" r:id="rId6"/>
-    <p:sldId id="261" r:id="rId7"/>
+    <p:sldId id="261" r:id="rId5"/>
+    <p:sldId id="259" r:id="rId6"/>
+    <p:sldId id="260" r:id="rId7"/>
     <p:sldId id="262" r:id="rId8"/>
     <p:sldId id="263" r:id="rId9"/>
     <p:sldId id="264" r:id="rId10"/>
@@ -125,8 +125,8 @@
 <pc:chgInfo xmlns:a="http://schemas.openxmlformats.org/drawingml/2006/main" xmlns:r="http://schemas.openxmlformats.org/officeDocument/2006/relationships" xmlns:ac="http://schemas.microsoft.com/office/drawing/2013/main/command" xmlns:pc="http://schemas.microsoft.com/office/powerpoint/2013/main/command">
   <pc:docChgLst>
     <pc:chgData name="Swati Mohapatra" userId="abb5c7f9d847a7db" providerId="LiveId" clId="{4CEADEAF-F9BC-46DF-9A8B-EF1E40F01D80}"/>
-    <pc:docChg chg="undo custSel addSld delSld modSld">
-      <pc:chgData name="Swati Mohapatra" userId="abb5c7f9d847a7db" providerId="LiveId" clId="{4CEADEAF-F9BC-46DF-9A8B-EF1E40F01D80}" dt="2021-11-29T08:07:55.345" v="1312" actId="122"/>
+    <pc:docChg chg="undo custSel addSld delSld modSld sldOrd">
+      <pc:chgData name="Swati Mohapatra" userId="abb5c7f9d847a7db" providerId="LiveId" clId="{4CEADEAF-F9BC-46DF-9A8B-EF1E40F01D80}" dt="2021-11-29T18:10:39.163" v="1314"/>
       <pc:docMkLst>
         <pc:docMk/>
       </pc:docMkLst>
@@ -276,8 +276,8 @@
           </ac:spMkLst>
         </pc:spChg>
       </pc:sldChg>
-      <pc:sldChg chg="addSp delSp modSp new mod">
-        <pc:chgData name="Swati Mohapatra" userId="abb5c7f9d847a7db" providerId="LiveId" clId="{4CEADEAF-F9BC-46DF-9A8B-EF1E40F01D80}" dt="2021-11-29T02:50:00.475" v="452" actId="1076"/>
+      <pc:sldChg chg="addSp delSp modSp new mod ord">
+        <pc:chgData name="Swati Mohapatra" userId="abb5c7f9d847a7db" providerId="LiveId" clId="{4CEADEAF-F9BC-46DF-9A8B-EF1E40F01D80}" dt="2021-11-29T18:10:39.163" v="1314"/>
         <pc:sldMkLst>
           <pc:docMk/>
           <pc:sldMk cId="4095381614" sldId="261"/>
@@ -8660,440 +8660,6 @@
           <p:cNvPr id="2" name="Title 1">
             <a:extLst>
               <a:ext uri="{FF2B5EF4-FFF2-40B4-BE49-F238E27FC236}">
-                <a16:creationId xmlns:a16="http://schemas.microsoft.com/office/drawing/2014/main" id="{0F7DDE78-88CA-4998-B886-B17C142E29F5}"/>
-              </a:ext>
-            </a:extLst>
-          </p:cNvPr>
-          <p:cNvSpPr>
-            <a:spLocks noGrp="1"/>
-          </p:cNvSpPr>
-          <p:nvPr>
-            <p:ph type="title"/>
-          </p:nvPr>
-        </p:nvSpPr>
-        <p:spPr/>
-        <p:txBody>
-          <a:bodyPr/>
-          <a:lstStyle/>
-          <a:p>
-            <a:r>
-              <a:rPr lang="en-IN" u="sng" dirty="0"/>
-              <a:t>SYSTEM DESCRIPTION</a:t>
-            </a:r>
-          </a:p>
-        </p:txBody>
-      </p:sp>
-      <p:sp>
-        <p:nvSpPr>
-          <p:cNvPr id="3" name="Content Placeholder 2">
-            <a:extLst>
-              <a:ext uri="{FF2B5EF4-FFF2-40B4-BE49-F238E27FC236}">
-                <a16:creationId xmlns:a16="http://schemas.microsoft.com/office/drawing/2014/main" id="{822FE599-EA9B-4D11-B3EA-F59EB8BC7FAF}"/>
-              </a:ext>
-            </a:extLst>
-          </p:cNvPr>
-          <p:cNvSpPr>
-            <a:spLocks noGrp="1"/>
-          </p:cNvSpPr>
-          <p:nvPr>
-            <p:ph idx="1"/>
-          </p:nvPr>
-        </p:nvSpPr>
-        <p:spPr/>
-        <p:txBody>
-          <a:bodyPr>
-            <a:normAutofit lnSpcReduction="10000"/>
-          </a:bodyPr>
-          <a:lstStyle/>
-          <a:p>
-            <a:pPr>
-              <a:buFont typeface="Arial" panose="020B0604020202020204" pitchFamily="34" charset="0"/>
-              <a:buChar char="•"/>
-            </a:pPr>
-            <a:r>
-              <a:rPr lang="en-US" dirty="0">
-                <a:effectLst>
-                  <a:outerShdw blurRad="38100" dist="38100" dir="2700000" algn="tl">
-                    <a:srgbClr val="000000">
-                      <a:alpha val="43137"/>
-                    </a:srgbClr>
-                  </a:outerShdw>
-                </a:effectLst>
-                <a:latin typeface="Times New Roman" panose="02020603050405020304" pitchFamily="18" charset="0"/>
-                <a:cs typeface="Times New Roman" panose="02020603050405020304" pitchFamily="18" charset="0"/>
-              </a:rPr>
-              <a:t>Power Supply (Battery)</a:t>
-            </a:r>
-          </a:p>
-          <a:p>
-            <a:pPr lvl="1">
-              <a:buFont typeface="Arial" panose="020B0604020202020204" pitchFamily="34" charset="0"/>
-              <a:buChar char="•"/>
-            </a:pPr>
-            <a:r>
-              <a:rPr lang="en-US" sz="1800" dirty="0">
-                <a:latin typeface="Times New Roman" panose="02020603050405020304" pitchFamily="18" charset="0"/>
-                <a:cs typeface="Times New Roman" panose="02020603050405020304" pitchFamily="18" charset="0"/>
-              </a:rPr>
-              <a:t>Multiple batteries as an energy source (considered as continuous energy supply)</a:t>
-            </a:r>
-          </a:p>
-          <a:p>
-            <a:pPr lvl="1">
-              <a:buFont typeface="Arial" panose="020B0604020202020204" pitchFamily="34" charset="0"/>
-              <a:buChar char="•"/>
-            </a:pPr>
-            <a:r>
-              <a:rPr lang="en-US" sz="1800" dirty="0">
-                <a:latin typeface="Times New Roman" panose="02020603050405020304" pitchFamily="18" charset="0"/>
-                <a:cs typeface="Times New Roman" panose="02020603050405020304" pitchFamily="18" charset="0"/>
-              </a:rPr>
-              <a:t>Monitor its usage for every type of environment </a:t>
-            </a:r>
-          </a:p>
-          <a:p>
-            <a:pPr lvl="1">
-              <a:buFont typeface="Arial" panose="020B0604020202020204" pitchFamily="34" charset="0"/>
-              <a:buChar char="•"/>
-            </a:pPr>
-            <a:r>
-              <a:rPr lang="en-US" sz="1800" dirty="0">
-                <a:latin typeface="Times New Roman" panose="02020603050405020304" pitchFamily="18" charset="0"/>
-                <a:cs typeface="Times New Roman" panose="02020603050405020304" pitchFamily="18" charset="0"/>
-              </a:rPr>
-              <a:t>Specification of the actuators and sensors</a:t>
-            </a:r>
-          </a:p>
-          <a:p>
-            <a:pPr lvl="1">
-              <a:buFont typeface="Arial" panose="020B0604020202020204" pitchFamily="34" charset="0"/>
-              <a:buChar char="•"/>
-            </a:pPr>
-            <a:r>
-              <a:rPr lang="en-US" sz="1800" dirty="0">
-                <a:latin typeface="Times New Roman" panose="02020603050405020304" pitchFamily="18" charset="0"/>
-                <a:cs typeface="Times New Roman" panose="02020603050405020304" pitchFamily="18" charset="0"/>
-              </a:rPr>
-              <a:t>Time for which it is being used.</a:t>
-            </a:r>
-          </a:p>
-          <a:p>
-            <a:pPr marL="457200" lvl="1" indent="0">
-              <a:buNone/>
-            </a:pPr>
-            <a:endParaRPr lang="en-US" dirty="0">
-              <a:latin typeface="Times New Roman" panose="02020603050405020304" pitchFamily="18" charset="0"/>
-              <a:cs typeface="Times New Roman" panose="02020603050405020304" pitchFamily="18" charset="0"/>
-            </a:endParaRPr>
-          </a:p>
-          <a:p>
-            <a:pPr>
-              <a:buFont typeface="Arial" panose="020B0604020202020204" pitchFamily="34" charset="0"/>
-              <a:buChar char="•"/>
-            </a:pPr>
-            <a:r>
-              <a:rPr lang="en-US" dirty="0">
-                <a:effectLst>
-                  <a:outerShdw blurRad="38100" dist="38100" dir="2700000" algn="tl">
-                    <a:srgbClr val="000000">
-                      <a:alpha val="43137"/>
-                    </a:srgbClr>
-                  </a:outerShdw>
-                </a:effectLst>
-                <a:latin typeface="Times New Roman" panose="02020603050405020304" pitchFamily="18" charset="0"/>
-                <a:cs typeface="Times New Roman" panose="02020603050405020304" pitchFamily="18" charset="0"/>
-              </a:rPr>
-              <a:t>Motors</a:t>
-            </a:r>
-          </a:p>
-          <a:p>
-            <a:pPr lvl="1">
-              <a:buFont typeface="Arial" panose="020B0604020202020204" pitchFamily="34" charset="0"/>
-              <a:buChar char="•"/>
-            </a:pPr>
-            <a:r>
-              <a:rPr lang="en-US" sz="1800" dirty="0">
-                <a:latin typeface="Times New Roman" panose="02020603050405020304" pitchFamily="18" charset="0"/>
-                <a:cs typeface="Times New Roman" panose="02020603050405020304" pitchFamily="18" charset="0"/>
-              </a:rPr>
-              <a:t>Used to move the wheels of the bot (states are the movement directions: North, South, East, West, </a:t>
-            </a:r>
-            <a:r>
-              <a:rPr lang="en-US" sz="1800" dirty="0" err="1">
-                <a:latin typeface="Times New Roman" panose="02020603050405020304" pitchFamily="18" charset="0"/>
-                <a:cs typeface="Times New Roman" panose="02020603050405020304" pitchFamily="18" charset="0"/>
-              </a:rPr>
-              <a:t>SouthEast</a:t>
-            </a:r>
-            <a:r>
-              <a:rPr lang="en-US" sz="1800" dirty="0">
-                <a:latin typeface="Times New Roman" panose="02020603050405020304" pitchFamily="18" charset="0"/>
-                <a:cs typeface="Times New Roman" panose="02020603050405020304" pitchFamily="18" charset="0"/>
-              </a:rPr>
-              <a:t>, </a:t>
-            </a:r>
-            <a:r>
-              <a:rPr lang="en-US" sz="1800" dirty="0" err="1">
-                <a:latin typeface="Times New Roman" panose="02020603050405020304" pitchFamily="18" charset="0"/>
-                <a:cs typeface="Times New Roman" panose="02020603050405020304" pitchFamily="18" charset="0"/>
-              </a:rPr>
-              <a:t>SouthWest</a:t>
-            </a:r>
-            <a:r>
-              <a:rPr lang="en-US" sz="1800" dirty="0">
-                <a:latin typeface="Times New Roman" panose="02020603050405020304" pitchFamily="18" charset="0"/>
-                <a:cs typeface="Times New Roman" panose="02020603050405020304" pitchFamily="18" charset="0"/>
-              </a:rPr>
-              <a:t>, </a:t>
-            </a:r>
-            <a:r>
-              <a:rPr lang="en-US" sz="1800" dirty="0" err="1">
-                <a:latin typeface="Times New Roman" panose="02020603050405020304" pitchFamily="18" charset="0"/>
-                <a:cs typeface="Times New Roman" panose="02020603050405020304" pitchFamily="18" charset="0"/>
-              </a:rPr>
-              <a:t>NorthEast</a:t>
-            </a:r>
-            <a:r>
-              <a:rPr lang="en-US" sz="1800" dirty="0">
-                <a:latin typeface="Times New Roman" panose="02020603050405020304" pitchFamily="18" charset="0"/>
-                <a:cs typeface="Times New Roman" panose="02020603050405020304" pitchFamily="18" charset="0"/>
-              </a:rPr>
-              <a:t>, </a:t>
-            </a:r>
-            <a:r>
-              <a:rPr lang="en-US" sz="1800" dirty="0" err="1">
-                <a:latin typeface="Times New Roman" panose="02020603050405020304" pitchFamily="18" charset="0"/>
-                <a:cs typeface="Times New Roman" panose="02020603050405020304" pitchFamily="18" charset="0"/>
-              </a:rPr>
-              <a:t>NorthWest</a:t>
-            </a:r>
-            <a:r>
-              <a:rPr lang="en-US" sz="1800" dirty="0">
-                <a:latin typeface="Times New Roman" panose="02020603050405020304" pitchFamily="18" charset="0"/>
-                <a:cs typeface="Times New Roman" panose="02020603050405020304" pitchFamily="18" charset="0"/>
-              </a:rPr>
-              <a:t>). </a:t>
-            </a:r>
-          </a:p>
-          <a:p>
-            <a:pPr lvl="1">
-              <a:buFont typeface="Arial" panose="020B0604020202020204" pitchFamily="34" charset="0"/>
-              <a:buChar char="•"/>
-            </a:pPr>
-            <a:r>
-              <a:rPr lang="en-US" sz="1800" dirty="0">
-                <a:latin typeface="Times New Roman" panose="02020603050405020304" pitchFamily="18" charset="0"/>
-                <a:cs typeface="Times New Roman" panose="02020603050405020304" pitchFamily="18" charset="0"/>
-              </a:rPr>
-              <a:t>To operate the suction pump at the intake port (states are active and passive)</a:t>
-            </a:r>
-          </a:p>
-          <a:p>
-            <a:endParaRPr lang="en-IN" dirty="0"/>
-          </a:p>
-        </p:txBody>
-      </p:sp>
-    </p:spTree>
-    <p:extLst>
-      <p:ext uri="{BB962C8B-B14F-4D97-AF65-F5344CB8AC3E}">
-        <p14:creationId xmlns:p14="http://schemas.microsoft.com/office/powerpoint/2010/main" val="1989358644"/>
-      </p:ext>
-    </p:extLst>
-  </p:cSld>
-  <p:clrMapOvr>
-    <a:masterClrMapping/>
-  </p:clrMapOvr>
-</p:sld>
-</file>
-
-<file path=ppt/slides/slide5.xml><?xml version="1.0" encoding="utf-8"?>
-<p:sld xmlns:a="http://schemas.openxmlformats.org/drawingml/2006/main" xmlns:r="http://schemas.openxmlformats.org/officeDocument/2006/relationships" xmlns:p="http://schemas.openxmlformats.org/presentationml/2006/main">
-  <p:cSld>
-    <p:spTree>
-      <p:nvGrpSpPr>
-        <p:cNvPr id="1" name=""/>
-        <p:cNvGrpSpPr/>
-        <p:nvPr/>
-      </p:nvGrpSpPr>
-      <p:grpSpPr>
-        <a:xfrm>
-          <a:off x="0" y="0"/>
-          <a:ext cx="0" cy="0"/>
-          <a:chOff x="0" y="0"/>
-          <a:chExt cx="0" cy="0"/>
-        </a:xfrm>
-      </p:grpSpPr>
-      <p:sp>
-        <p:nvSpPr>
-          <p:cNvPr id="3" name="Content Placeholder 2">
-            <a:extLst>
-              <a:ext uri="{FF2B5EF4-FFF2-40B4-BE49-F238E27FC236}">
-                <a16:creationId xmlns:a16="http://schemas.microsoft.com/office/drawing/2014/main" id="{0C5B1506-7CA0-4D31-AB15-3F58714A1398}"/>
-              </a:ext>
-            </a:extLst>
-          </p:cNvPr>
-          <p:cNvSpPr>
-            <a:spLocks noGrp="1"/>
-          </p:cNvSpPr>
-          <p:nvPr>
-            <p:ph idx="1"/>
-          </p:nvPr>
-        </p:nvSpPr>
-        <p:spPr>
-          <a:xfrm>
-            <a:off x="2682518" y="929951"/>
-            <a:ext cx="8915400" cy="3777622"/>
-          </a:xfrm>
-        </p:spPr>
-        <p:txBody>
-          <a:bodyPr/>
-          <a:lstStyle/>
-          <a:p>
-            <a:pPr>
-              <a:buFont typeface="Arial" panose="020B0604020202020204" pitchFamily="34" charset="0"/>
-              <a:buChar char="•"/>
-            </a:pPr>
-            <a:r>
-              <a:rPr lang="en-US" dirty="0">
-                <a:effectLst>
-                  <a:outerShdw blurRad="38100" dist="38100" dir="2700000" algn="tl">
-                    <a:srgbClr val="000000">
-                      <a:alpha val="43137"/>
-                    </a:srgbClr>
-                  </a:outerShdw>
-                </a:effectLst>
-                <a:latin typeface="Times New Roman" panose="02020603050405020304" pitchFamily="18" charset="0"/>
-                <a:cs typeface="Times New Roman" panose="02020603050405020304" pitchFamily="18" charset="0"/>
-              </a:rPr>
-              <a:t>Sensors</a:t>
-            </a:r>
-          </a:p>
-          <a:p>
-            <a:pPr marL="0" indent="0">
-              <a:buNone/>
-            </a:pPr>
-            <a:r>
-              <a:rPr lang="en-US" dirty="0">
-                <a:latin typeface="Times New Roman" panose="02020603050405020304" pitchFamily="18" charset="0"/>
-                <a:cs typeface="Times New Roman" panose="02020603050405020304" pitchFamily="18" charset="0"/>
-              </a:rPr>
-              <a:t>	 Consists of :</a:t>
-            </a:r>
-          </a:p>
-          <a:p>
-            <a:pPr lvl="1">
-              <a:buFont typeface="Arial" panose="020B0604020202020204" pitchFamily="34" charset="0"/>
-              <a:buChar char="•"/>
-            </a:pPr>
-            <a:r>
-              <a:rPr lang="en-US" sz="1800" dirty="0">
-                <a:latin typeface="Times New Roman" panose="02020603050405020304" pitchFamily="18" charset="0"/>
-                <a:cs typeface="Times New Roman" panose="02020603050405020304" pitchFamily="18" charset="0"/>
-              </a:rPr>
-              <a:t>(LiDAR) sensor - used to scan the room and create a virtual map of the space around it.</a:t>
-            </a:r>
-          </a:p>
-          <a:p>
-            <a:pPr lvl="1">
-              <a:buFont typeface="Arial" panose="020B0604020202020204" pitchFamily="34" charset="0"/>
-              <a:buChar char="•"/>
-            </a:pPr>
-            <a:r>
-              <a:rPr lang="en-US" sz="1800" dirty="0">
-                <a:latin typeface="Times New Roman" panose="02020603050405020304" pitchFamily="18" charset="0"/>
-                <a:cs typeface="Times New Roman" panose="02020603050405020304" pitchFamily="18" charset="0"/>
-              </a:rPr>
-              <a:t>Infrared (IR) sensor - to detect obstacles and dust particles during the actual operation of the bot. </a:t>
-            </a:r>
-          </a:p>
-          <a:p>
-            <a:pPr marL="457200" lvl="1" indent="0">
-              <a:buNone/>
-            </a:pPr>
-            <a:endParaRPr lang="en-IN" dirty="0">
-              <a:latin typeface="Times New Roman" panose="02020603050405020304" pitchFamily="18" charset="0"/>
-              <a:cs typeface="Times New Roman" panose="02020603050405020304" pitchFamily="18" charset="0"/>
-            </a:endParaRPr>
-          </a:p>
-          <a:p>
-            <a:pPr>
-              <a:buFont typeface="Arial" panose="020B0604020202020204" pitchFamily="34" charset="0"/>
-              <a:buChar char="•"/>
-            </a:pPr>
-            <a:r>
-              <a:rPr lang="en-US" dirty="0">
-                <a:effectLst>
-                  <a:outerShdw blurRad="38100" dist="38100" dir="2700000" algn="tl">
-                    <a:srgbClr val="000000">
-                      <a:alpha val="43137"/>
-                    </a:srgbClr>
-                  </a:outerShdw>
-                </a:effectLst>
-                <a:latin typeface="Times New Roman" panose="02020603050405020304" pitchFamily="18" charset="0"/>
-                <a:cs typeface="Times New Roman" panose="02020603050405020304" pitchFamily="18" charset="0"/>
-              </a:rPr>
-              <a:t>Electronic control unit</a:t>
-            </a:r>
-          </a:p>
-          <a:p>
-            <a:pPr marL="0" indent="0">
-              <a:buNone/>
-            </a:pPr>
-            <a:r>
-              <a:rPr lang="en-US" sz="2400" dirty="0">
-                <a:latin typeface="Times New Roman" panose="02020603050405020304" pitchFamily="18" charset="0"/>
-                <a:cs typeface="Times New Roman" panose="02020603050405020304" pitchFamily="18" charset="0"/>
-              </a:rPr>
-              <a:t>	</a:t>
-            </a:r>
-            <a:r>
-              <a:rPr lang="en-US" dirty="0">
-                <a:latin typeface="Times New Roman" panose="02020603050405020304" pitchFamily="18" charset="0"/>
-                <a:cs typeface="Times New Roman" panose="02020603050405020304" pitchFamily="18" charset="0"/>
-              </a:rPr>
-              <a:t>Responsible to take in all the inputs from the sensors and guide the actuators of the system.</a:t>
-            </a:r>
-          </a:p>
-          <a:p>
-            <a:endParaRPr lang="en-IN" dirty="0"/>
-          </a:p>
-        </p:txBody>
-      </p:sp>
-    </p:spTree>
-    <p:extLst>
-      <p:ext uri="{BB962C8B-B14F-4D97-AF65-F5344CB8AC3E}">
-        <p14:creationId xmlns:p14="http://schemas.microsoft.com/office/powerpoint/2010/main" val="2971309762"/>
-      </p:ext>
-    </p:extLst>
-  </p:cSld>
-  <p:clrMapOvr>
-    <a:masterClrMapping/>
-  </p:clrMapOvr>
-</p:sld>
-</file>
-
-<file path=ppt/slides/slide6.xml><?xml version="1.0" encoding="utf-8"?>
-<p:sld xmlns:a="http://schemas.openxmlformats.org/drawingml/2006/main" xmlns:r="http://schemas.openxmlformats.org/officeDocument/2006/relationships" xmlns:p="http://schemas.openxmlformats.org/presentationml/2006/main">
-  <p:cSld>
-    <p:spTree>
-      <p:nvGrpSpPr>
-        <p:cNvPr id="1" name=""/>
-        <p:cNvGrpSpPr/>
-        <p:nvPr/>
-      </p:nvGrpSpPr>
-      <p:grpSpPr>
-        <a:xfrm>
-          <a:off x="0" y="0"/>
-          <a:ext cx="0" cy="0"/>
-          <a:chOff x="0" y="0"/>
-          <a:chExt cx="0" cy="0"/>
-        </a:xfrm>
-      </p:grpSpPr>
-      <p:sp>
-        <p:nvSpPr>
-          <p:cNvPr id="2" name="Title 1">
-            <a:extLst>
-              <a:ext uri="{FF2B5EF4-FFF2-40B4-BE49-F238E27FC236}">
                 <a16:creationId xmlns:a16="http://schemas.microsoft.com/office/drawing/2014/main" id="{102FC805-089D-4937-96A7-B086EFDB3A03}"/>
               </a:ext>
             </a:extLst>
@@ -9151,6 +8717,440 @@
     <p:extLst>
       <p:ext uri="{BB962C8B-B14F-4D97-AF65-F5344CB8AC3E}">
         <p14:creationId xmlns:p14="http://schemas.microsoft.com/office/powerpoint/2010/main" val="4095381614"/>
+      </p:ext>
+    </p:extLst>
+  </p:cSld>
+  <p:clrMapOvr>
+    <a:masterClrMapping/>
+  </p:clrMapOvr>
+</p:sld>
+</file>
+
+<file path=ppt/slides/slide5.xml><?xml version="1.0" encoding="utf-8"?>
+<p:sld xmlns:a="http://schemas.openxmlformats.org/drawingml/2006/main" xmlns:r="http://schemas.openxmlformats.org/officeDocument/2006/relationships" xmlns:p="http://schemas.openxmlformats.org/presentationml/2006/main">
+  <p:cSld>
+    <p:spTree>
+      <p:nvGrpSpPr>
+        <p:cNvPr id="1" name=""/>
+        <p:cNvGrpSpPr/>
+        <p:nvPr/>
+      </p:nvGrpSpPr>
+      <p:grpSpPr>
+        <a:xfrm>
+          <a:off x="0" y="0"/>
+          <a:ext cx="0" cy="0"/>
+          <a:chOff x="0" y="0"/>
+          <a:chExt cx="0" cy="0"/>
+        </a:xfrm>
+      </p:grpSpPr>
+      <p:sp>
+        <p:nvSpPr>
+          <p:cNvPr id="2" name="Title 1">
+            <a:extLst>
+              <a:ext uri="{FF2B5EF4-FFF2-40B4-BE49-F238E27FC236}">
+                <a16:creationId xmlns:a16="http://schemas.microsoft.com/office/drawing/2014/main" id="{0F7DDE78-88CA-4998-B886-B17C142E29F5}"/>
+              </a:ext>
+            </a:extLst>
+          </p:cNvPr>
+          <p:cNvSpPr>
+            <a:spLocks noGrp="1"/>
+          </p:cNvSpPr>
+          <p:nvPr>
+            <p:ph type="title"/>
+          </p:nvPr>
+        </p:nvSpPr>
+        <p:spPr/>
+        <p:txBody>
+          <a:bodyPr/>
+          <a:lstStyle/>
+          <a:p>
+            <a:r>
+              <a:rPr lang="en-IN" u="sng" dirty="0"/>
+              <a:t>SYSTEM DESCRIPTION</a:t>
+            </a:r>
+          </a:p>
+        </p:txBody>
+      </p:sp>
+      <p:sp>
+        <p:nvSpPr>
+          <p:cNvPr id="3" name="Content Placeholder 2">
+            <a:extLst>
+              <a:ext uri="{FF2B5EF4-FFF2-40B4-BE49-F238E27FC236}">
+                <a16:creationId xmlns:a16="http://schemas.microsoft.com/office/drawing/2014/main" id="{822FE599-EA9B-4D11-B3EA-F59EB8BC7FAF}"/>
+              </a:ext>
+            </a:extLst>
+          </p:cNvPr>
+          <p:cNvSpPr>
+            <a:spLocks noGrp="1"/>
+          </p:cNvSpPr>
+          <p:nvPr>
+            <p:ph idx="1"/>
+          </p:nvPr>
+        </p:nvSpPr>
+        <p:spPr/>
+        <p:txBody>
+          <a:bodyPr>
+            <a:normAutofit lnSpcReduction="10000"/>
+          </a:bodyPr>
+          <a:lstStyle/>
+          <a:p>
+            <a:pPr>
+              <a:buFont typeface="Arial" panose="020B0604020202020204" pitchFamily="34" charset="0"/>
+              <a:buChar char="•"/>
+            </a:pPr>
+            <a:r>
+              <a:rPr lang="en-US" dirty="0">
+                <a:effectLst>
+                  <a:outerShdw blurRad="38100" dist="38100" dir="2700000" algn="tl">
+                    <a:srgbClr val="000000">
+                      <a:alpha val="43137"/>
+                    </a:srgbClr>
+                  </a:outerShdw>
+                </a:effectLst>
+                <a:latin typeface="Times New Roman" panose="02020603050405020304" pitchFamily="18" charset="0"/>
+                <a:cs typeface="Times New Roman" panose="02020603050405020304" pitchFamily="18" charset="0"/>
+              </a:rPr>
+              <a:t>Power Supply (Battery)</a:t>
+            </a:r>
+          </a:p>
+          <a:p>
+            <a:pPr lvl="1">
+              <a:buFont typeface="Arial" panose="020B0604020202020204" pitchFamily="34" charset="0"/>
+              <a:buChar char="•"/>
+            </a:pPr>
+            <a:r>
+              <a:rPr lang="en-US" sz="1800" dirty="0">
+                <a:latin typeface="Times New Roman" panose="02020603050405020304" pitchFamily="18" charset="0"/>
+                <a:cs typeface="Times New Roman" panose="02020603050405020304" pitchFamily="18" charset="0"/>
+              </a:rPr>
+              <a:t>Multiple batteries as an energy source (considered as continuous energy supply)</a:t>
+            </a:r>
+          </a:p>
+          <a:p>
+            <a:pPr lvl="1">
+              <a:buFont typeface="Arial" panose="020B0604020202020204" pitchFamily="34" charset="0"/>
+              <a:buChar char="•"/>
+            </a:pPr>
+            <a:r>
+              <a:rPr lang="en-US" sz="1800" dirty="0">
+                <a:latin typeface="Times New Roman" panose="02020603050405020304" pitchFamily="18" charset="0"/>
+                <a:cs typeface="Times New Roman" panose="02020603050405020304" pitchFamily="18" charset="0"/>
+              </a:rPr>
+              <a:t>Monitor its usage for every type of environment </a:t>
+            </a:r>
+          </a:p>
+          <a:p>
+            <a:pPr lvl="1">
+              <a:buFont typeface="Arial" panose="020B0604020202020204" pitchFamily="34" charset="0"/>
+              <a:buChar char="•"/>
+            </a:pPr>
+            <a:r>
+              <a:rPr lang="en-US" sz="1800" dirty="0">
+                <a:latin typeface="Times New Roman" panose="02020603050405020304" pitchFamily="18" charset="0"/>
+                <a:cs typeface="Times New Roman" panose="02020603050405020304" pitchFamily="18" charset="0"/>
+              </a:rPr>
+              <a:t>Specification of the actuators and sensors</a:t>
+            </a:r>
+          </a:p>
+          <a:p>
+            <a:pPr lvl="1">
+              <a:buFont typeface="Arial" panose="020B0604020202020204" pitchFamily="34" charset="0"/>
+              <a:buChar char="•"/>
+            </a:pPr>
+            <a:r>
+              <a:rPr lang="en-US" sz="1800" dirty="0">
+                <a:latin typeface="Times New Roman" panose="02020603050405020304" pitchFamily="18" charset="0"/>
+                <a:cs typeface="Times New Roman" panose="02020603050405020304" pitchFamily="18" charset="0"/>
+              </a:rPr>
+              <a:t>Time for which it is being used.</a:t>
+            </a:r>
+          </a:p>
+          <a:p>
+            <a:pPr marL="457200" lvl="1" indent="0">
+              <a:buNone/>
+            </a:pPr>
+            <a:endParaRPr lang="en-US" dirty="0">
+              <a:latin typeface="Times New Roman" panose="02020603050405020304" pitchFamily="18" charset="0"/>
+              <a:cs typeface="Times New Roman" panose="02020603050405020304" pitchFamily="18" charset="0"/>
+            </a:endParaRPr>
+          </a:p>
+          <a:p>
+            <a:pPr>
+              <a:buFont typeface="Arial" panose="020B0604020202020204" pitchFamily="34" charset="0"/>
+              <a:buChar char="•"/>
+            </a:pPr>
+            <a:r>
+              <a:rPr lang="en-US" dirty="0">
+                <a:effectLst>
+                  <a:outerShdw blurRad="38100" dist="38100" dir="2700000" algn="tl">
+                    <a:srgbClr val="000000">
+                      <a:alpha val="43137"/>
+                    </a:srgbClr>
+                  </a:outerShdw>
+                </a:effectLst>
+                <a:latin typeface="Times New Roman" panose="02020603050405020304" pitchFamily="18" charset="0"/>
+                <a:cs typeface="Times New Roman" panose="02020603050405020304" pitchFamily="18" charset="0"/>
+              </a:rPr>
+              <a:t>Motors</a:t>
+            </a:r>
+          </a:p>
+          <a:p>
+            <a:pPr lvl="1">
+              <a:buFont typeface="Arial" panose="020B0604020202020204" pitchFamily="34" charset="0"/>
+              <a:buChar char="•"/>
+            </a:pPr>
+            <a:r>
+              <a:rPr lang="en-US" sz="1800" dirty="0">
+                <a:latin typeface="Times New Roman" panose="02020603050405020304" pitchFamily="18" charset="0"/>
+                <a:cs typeface="Times New Roman" panose="02020603050405020304" pitchFamily="18" charset="0"/>
+              </a:rPr>
+              <a:t>Used to move the wheels of the bot (states are the movement directions: North, South, East, West, </a:t>
+            </a:r>
+            <a:r>
+              <a:rPr lang="en-US" sz="1800" dirty="0" err="1">
+                <a:latin typeface="Times New Roman" panose="02020603050405020304" pitchFamily="18" charset="0"/>
+                <a:cs typeface="Times New Roman" panose="02020603050405020304" pitchFamily="18" charset="0"/>
+              </a:rPr>
+              <a:t>SouthEast</a:t>
+            </a:r>
+            <a:r>
+              <a:rPr lang="en-US" sz="1800" dirty="0">
+                <a:latin typeface="Times New Roman" panose="02020603050405020304" pitchFamily="18" charset="0"/>
+                <a:cs typeface="Times New Roman" panose="02020603050405020304" pitchFamily="18" charset="0"/>
+              </a:rPr>
+              <a:t>, </a:t>
+            </a:r>
+            <a:r>
+              <a:rPr lang="en-US" sz="1800" dirty="0" err="1">
+                <a:latin typeface="Times New Roman" panose="02020603050405020304" pitchFamily="18" charset="0"/>
+                <a:cs typeface="Times New Roman" panose="02020603050405020304" pitchFamily="18" charset="0"/>
+              </a:rPr>
+              <a:t>SouthWest</a:t>
+            </a:r>
+            <a:r>
+              <a:rPr lang="en-US" sz="1800" dirty="0">
+                <a:latin typeface="Times New Roman" panose="02020603050405020304" pitchFamily="18" charset="0"/>
+                <a:cs typeface="Times New Roman" panose="02020603050405020304" pitchFamily="18" charset="0"/>
+              </a:rPr>
+              <a:t>, </a:t>
+            </a:r>
+            <a:r>
+              <a:rPr lang="en-US" sz="1800" dirty="0" err="1">
+                <a:latin typeface="Times New Roman" panose="02020603050405020304" pitchFamily="18" charset="0"/>
+                <a:cs typeface="Times New Roman" panose="02020603050405020304" pitchFamily="18" charset="0"/>
+              </a:rPr>
+              <a:t>NorthEast</a:t>
+            </a:r>
+            <a:r>
+              <a:rPr lang="en-US" sz="1800" dirty="0">
+                <a:latin typeface="Times New Roman" panose="02020603050405020304" pitchFamily="18" charset="0"/>
+                <a:cs typeface="Times New Roman" panose="02020603050405020304" pitchFamily="18" charset="0"/>
+              </a:rPr>
+              <a:t>, </a:t>
+            </a:r>
+            <a:r>
+              <a:rPr lang="en-US" sz="1800" dirty="0" err="1">
+                <a:latin typeface="Times New Roman" panose="02020603050405020304" pitchFamily="18" charset="0"/>
+                <a:cs typeface="Times New Roman" panose="02020603050405020304" pitchFamily="18" charset="0"/>
+              </a:rPr>
+              <a:t>NorthWest</a:t>
+            </a:r>
+            <a:r>
+              <a:rPr lang="en-US" sz="1800" dirty="0">
+                <a:latin typeface="Times New Roman" panose="02020603050405020304" pitchFamily="18" charset="0"/>
+                <a:cs typeface="Times New Roman" panose="02020603050405020304" pitchFamily="18" charset="0"/>
+              </a:rPr>
+              <a:t>). </a:t>
+            </a:r>
+          </a:p>
+          <a:p>
+            <a:pPr lvl="1">
+              <a:buFont typeface="Arial" panose="020B0604020202020204" pitchFamily="34" charset="0"/>
+              <a:buChar char="•"/>
+            </a:pPr>
+            <a:r>
+              <a:rPr lang="en-US" sz="1800" dirty="0">
+                <a:latin typeface="Times New Roman" panose="02020603050405020304" pitchFamily="18" charset="0"/>
+                <a:cs typeface="Times New Roman" panose="02020603050405020304" pitchFamily="18" charset="0"/>
+              </a:rPr>
+              <a:t>To operate the suction pump at the intake port (states are active and passive)</a:t>
+            </a:r>
+          </a:p>
+          <a:p>
+            <a:endParaRPr lang="en-IN" dirty="0"/>
+          </a:p>
+        </p:txBody>
+      </p:sp>
+    </p:spTree>
+    <p:extLst>
+      <p:ext uri="{BB962C8B-B14F-4D97-AF65-F5344CB8AC3E}">
+        <p14:creationId xmlns:p14="http://schemas.microsoft.com/office/powerpoint/2010/main" val="1989358644"/>
+      </p:ext>
+    </p:extLst>
+  </p:cSld>
+  <p:clrMapOvr>
+    <a:masterClrMapping/>
+  </p:clrMapOvr>
+</p:sld>
+</file>
+
+<file path=ppt/slides/slide6.xml><?xml version="1.0" encoding="utf-8"?>
+<p:sld xmlns:a="http://schemas.openxmlformats.org/drawingml/2006/main" xmlns:r="http://schemas.openxmlformats.org/officeDocument/2006/relationships" xmlns:p="http://schemas.openxmlformats.org/presentationml/2006/main">
+  <p:cSld>
+    <p:spTree>
+      <p:nvGrpSpPr>
+        <p:cNvPr id="1" name=""/>
+        <p:cNvGrpSpPr/>
+        <p:nvPr/>
+      </p:nvGrpSpPr>
+      <p:grpSpPr>
+        <a:xfrm>
+          <a:off x="0" y="0"/>
+          <a:ext cx="0" cy="0"/>
+          <a:chOff x="0" y="0"/>
+          <a:chExt cx="0" cy="0"/>
+        </a:xfrm>
+      </p:grpSpPr>
+      <p:sp>
+        <p:nvSpPr>
+          <p:cNvPr id="3" name="Content Placeholder 2">
+            <a:extLst>
+              <a:ext uri="{FF2B5EF4-FFF2-40B4-BE49-F238E27FC236}">
+                <a16:creationId xmlns:a16="http://schemas.microsoft.com/office/drawing/2014/main" id="{0C5B1506-7CA0-4D31-AB15-3F58714A1398}"/>
+              </a:ext>
+            </a:extLst>
+          </p:cNvPr>
+          <p:cNvSpPr>
+            <a:spLocks noGrp="1"/>
+          </p:cNvSpPr>
+          <p:nvPr>
+            <p:ph idx="1"/>
+          </p:nvPr>
+        </p:nvSpPr>
+        <p:spPr>
+          <a:xfrm>
+            <a:off x="2682518" y="929951"/>
+            <a:ext cx="8915400" cy="3777622"/>
+          </a:xfrm>
+        </p:spPr>
+        <p:txBody>
+          <a:bodyPr/>
+          <a:lstStyle/>
+          <a:p>
+            <a:pPr>
+              <a:buFont typeface="Arial" panose="020B0604020202020204" pitchFamily="34" charset="0"/>
+              <a:buChar char="•"/>
+            </a:pPr>
+            <a:r>
+              <a:rPr lang="en-US" dirty="0">
+                <a:effectLst>
+                  <a:outerShdw blurRad="38100" dist="38100" dir="2700000" algn="tl">
+                    <a:srgbClr val="000000">
+                      <a:alpha val="43137"/>
+                    </a:srgbClr>
+                  </a:outerShdw>
+                </a:effectLst>
+                <a:latin typeface="Times New Roman" panose="02020603050405020304" pitchFamily="18" charset="0"/>
+                <a:cs typeface="Times New Roman" panose="02020603050405020304" pitchFamily="18" charset="0"/>
+              </a:rPr>
+              <a:t>Sensors</a:t>
+            </a:r>
+          </a:p>
+          <a:p>
+            <a:pPr marL="0" indent="0">
+              <a:buNone/>
+            </a:pPr>
+            <a:r>
+              <a:rPr lang="en-US" dirty="0">
+                <a:latin typeface="Times New Roman" panose="02020603050405020304" pitchFamily="18" charset="0"/>
+                <a:cs typeface="Times New Roman" panose="02020603050405020304" pitchFamily="18" charset="0"/>
+              </a:rPr>
+              <a:t>	 Consists of :</a:t>
+            </a:r>
+          </a:p>
+          <a:p>
+            <a:pPr lvl="1">
+              <a:buFont typeface="Arial" panose="020B0604020202020204" pitchFamily="34" charset="0"/>
+              <a:buChar char="•"/>
+            </a:pPr>
+            <a:r>
+              <a:rPr lang="en-US" sz="1800" dirty="0">
+                <a:latin typeface="Times New Roman" panose="02020603050405020304" pitchFamily="18" charset="0"/>
+                <a:cs typeface="Times New Roman" panose="02020603050405020304" pitchFamily="18" charset="0"/>
+              </a:rPr>
+              <a:t>(LiDAR) sensor - used to scan the room and create a virtual map of the space around it.</a:t>
+            </a:r>
+          </a:p>
+          <a:p>
+            <a:pPr lvl="1">
+              <a:buFont typeface="Arial" panose="020B0604020202020204" pitchFamily="34" charset="0"/>
+              <a:buChar char="•"/>
+            </a:pPr>
+            <a:r>
+              <a:rPr lang="en-US" sz="1800" dirty="0">
+                <a:latin typeface="Times New Roman" panose="02020603050405020304" pitchFamily="18" charset="0"/>
+                <a:cs typeface="Times New Roman" panose="02020603050405020304" pitchFamily="18" charset="0"/>
+              </a:rPr>
+              <a:t>Infrared (IR) sensor - to detect obstacles and dust particles during the actual operation of the bot. </a:t>
+            </a:r>
+          </a:p>
+          <a:p>
+            <a:pPr marL="457200" lvl="1" indent="0">
+              <a:buNone/>
+            </a:pPr>
+            <a:endParaRPr lang="en-IN" dirty="0">
+              <a:latin typeface="Times New Roman" panose="02020603050405020304" pitchFamily="18" charset="0"/>
+              <a:cs typeface="Times New Roman" panose="02020603050405020304" pitchFamily="18" charset="0"/>
+            </a:endParaRPr>
+          </a:p>
+          <a:p>
+            <a:pPr>
+              <a:buFont typeface="Arial" panose="020B0604020202020204" pitchFamily="34" charset="0"/>
+              <a:buChar char="•"/>
+            </a:pPr>
+            <a:r>
+              <a:rPr lang="en-US" dirty="0">
+                <a:effectLst>
+                  <a:outerShdw blurRad="38100" dist="38100" dir="2700000" algn="tl">
+                    <a:srgbClr val="000000">
+                      <a:alpha val="43137"/>
+                    </a:srgbClr>
+                  </a:outerShdw>
+                </a:effectLst>
+                <a:latin typeface="Times New Roman" panose="02020603050405020304" pitchFamily="18" charset="0"/>
+                <a:cs typeface="Times New Roman" panose="02020603050405020304" pitchFamily="18" charset="0"/>
+              </a:rPr>
+              <a:t>Electronic control unit</a:t>
+            </a:r>
+          </a:p>
+          <a:p>
+            <a:pPr marL="0" indent="0">
+              <a:buNone/>
+            </a:pPr>
+            <a:r>
+              <a:rPr lang="en-US" sz="2400" dirty="0">
+                <a:latin typeface="Times New Roman" panose="02020603050405020304" pitchFamily="18" charset="0"/>
+                <a:cs typeface="Times New Roman" panose="02020603050405020304" pitchFamily="18" charset="0"/>
+              </a:rPr>
+              <a:t>	</a:t>
+            </a:r>
+            <a:r>
+              <a:rPr lang="en-US" dirty="0">
+                <a:latin typeface="Times New Roman" panose="02020603050405020304" pitchFamily="18" charset="0"/>
+                <a:cs typeface="Times New Roman" panose="02020603050405020304" pitchFamily="18" charset="0"/>
+              </a:rPr>
+              <a:t>Responsible to take in all the inputs from the sensors and guide the actuators of the system.</a:t>
+            </a:r>
+          </a:p>
+          <a:p>
+            <a:endParaRPr lang="en-IN" dirty="0"/>
+          </a:p>
+        </p:txBody>
+      </p:sp>
+    </p:spTree>
+    <p:extLst>
+      <p:ext uri="{BB962C8B-B14F-4D97-AF65-F5344CB8AC3E}">
+        <p14:creationId xmlns:p14="http://schemas.microsoft.com/office/powerpoint/2010/main" val="2971309762"/>
       </p:ext>
     </p:extLst>
   </p:cSld>
